--- a/基础PPT/JavaSE进阶第三版/第7章：Java反射简介.pptx
+++ b/基础PPT/JavaSE进阶第三版/第7章：Java反射简介.pptx
@@ -33,8 +33,8 @@
     <p:sldId id="697" r:id="rId25"/>
     <p:sldId id="723" r:id="rId26"/>
     <p:sldId id="724" r:id="rId27"/>
-    <p:sldId id="725" r:id="rId28"/>
-    <p:sldId id="726" r:id="rId29"/>
+    <p:sldId id="750" r:id="rId28"/>
+    <p:sldId id="751" r:id="rId29"/>
     <p:sldId id="662" r:id="rId30"/>
   </p:sldIdLst>
   <p:sldSz cx="12192000" cy="6858000"/>
@@ -6675,7 +6675,29 @@
                 <a:cs typeface="+mn-ea"/>
                 <a:sym typeface="+mn-ea"/>
               </a:rPr>
-              <a:t>如果一个类加载器收到了类加载请求，它并不会自己先去加载，而是把这个请求委托给父类的加载器去执行，如果父类加载器还存在其父类加载器，则进一步向上委托，依次递归，请求最终将到达顶层的启动类加载器，如果父类加载器可以完成类加载任务，就成功返回，倘若父类加载器无法完成此加载任务，子加载器才会尝试自己去加载，这就是双亲委派模式，即每个儿子都很懒，每次有活就丢给父亲去干，直到父亲说这件事我也干不了时，儿子自己想办法去完成，这不就是传说中的实力坑爹啊？那么采用这种模式有啥用呢?</a:t>
+              <a:t>如果一个类加载器收到了类加载请求，它并不会自己先去加载，而是把这个请求委托给父类的加载器去执行，如果父类加载器还存在其父类加载器，则进一步向上委托，依次递归，请求最终将到达顶层的启动类加载器，如果父类加载器可以完成类加载任务，就成功返回，倘若父类加载器无法完成此加载任务，子加载器才会尝试自己去加载，这就是双亲委派模式，即</a:t>
+            </a:r>
+            <a:r>
+              <a:rPr lang="zh-CN" altLang="en-US" sz="1200" b="1">
+                <a:solidFill>
+                  <a:srgbClr val="FF0000"/>
+                </a:solidFill>
+                <a:latin typeface="+mn-ea"/>
+                <a:cs typeface="+mn-ea"/>
+                <a:sym typeface="+mn-ea"/>
+              </a:rPr>
+              <a:t>每个儿子都很懒，每次有活就丢给父亲去干，直到父亲说这件事我也干不了时，儿子自己想办法去完成</a:t>
+            </a:r>
+            <a:r>
+              <a:rPr lang="zh-CN" altLang="en-US" sz="1200">
+                <a:solidFill>
+                  <a:schemeClr val="tx1"/>
+                </a:solidFill>
+                <a:latin typeface="+mn-ea"/>
+                <a:cs typeface="+mn-ea"/>
+                <a:sym typeface="+mn-ea"/>
+              </a:rPr>
+              <a:t>，这不就是传说中的实力坑爹啊？那么采用这种模式有啥用呢?</a:t>
             </a:r>
             <a:endParaRPr lang="zh-CN" altLang="en-US" sz="1200">
               <a:solidFill>
@@ -6778,7 +6800,7 @@
           <a:p>
             <a:pPr algn="l"/>
             <a:r>
-              <a:rPr lang="zh-CN" altLang="en-US" sz="1200">
+              <a:rPr lang="zh-CN" altLang="en-US" sz="1200" b="1">
                 <a:solidFill>
                   <a:srgbClr val="FF0000"/>
                 </a:solidFill>
@@ -6822,7 +6844,7 @@
           <a:p>
             <a:pPr algn="l"/>
             <a:r>
-              <a:rPr lang="zh-CN" altLang="en-US" sz="1200">
+              <a:rPr lang="zh-CN" altLang="en-US" sz="1200" b="1">
                 <a:solidFill>
                   <a:srgbClr val="FF0000"/>
                 </a:solidFill>
@@ -7173,7 +7195,7 @@
         </p:blipFill>
         <p:spPr>
           <a:xfrm>
-            <a:off x="5912485" y="848360"/>
+            <a:off x="5812790" y="1713230"/>
             <a:ext cx="6147435" cy="3936365"/>
           </a:xfrm>
           <a:prstGeom prst="rect">
@@ -7189,7 +7211,7 @@
         </p:nvSpPr>
         <p:spPr>
           <a:xfrm>
-            <a:off x="5912485" y="4878705"/>
+            <a:off x="5922010" y="5711825"/>
             <a:ext cx="4260215" cy="575310"/>
           </a:xfrm>
           <a:prstGeom prst="rect">
@@ -7231,6 +7253,84 @@
               <a:latin typeface="+mn-ea"/>
               <a:cs typeface="+mn-ea"/>
               <a:sym typeface="+mn-ea"/>
+            </a:endParaRPr>
+          </a:p>
+        </p:txBody>
+      </p:sp>
+      <p:sp>
+        <p:nvSpPr>
+          <p:cNvPr id="11" name="云形标注 10"/>
+          <p:cNvSpPr/>
+          <p:nvPr/>
+        </p:nvSpPr>
+        <p:spPr>
+          <a:xfrm>
+            <a:off x="9819640" y="190500"/>
+            <a:ext cx="2258695" cy="1302385"/>
+          </a:xfrm>
+          <a:prstGeom prst="cloudCallout">
+            <a:avLst>
+              <a:gd name="adj1" fmla="val -48256"/>
+              <a:gd name="adj2" fmla="val 91101"/>
+            </a:avLst>
+          </a:prstGeom>
+          <a:solidFill>
+            <a:srgbClr val="DBEEDF"/>
+          </a:solidFill>
+          <a:ln>
+            <a:solidFill>
+              <a:srgbClr val="DBEEDF"/>
+            </a:solidFill>
+          </a:ln>
+        </p:spPr>
+        <p:style>
+          <a:lnRef idx="2">
+            <a:schemeClr val="accent1">
+              <a:shade val="50000"/>
+            </a:schemeClr>
+          </a:lnRef>
+          <a:fillRef idx="1">
+            <a:schemeClr val="accent1"/>
+          </a:fillRef>
+          <a:effectRef idx="0">
+            <a:schemeClr val="accent1"/>
+          </a:effectRef>
+          <a:fontRef idx="minor">
+            <a:schemeClr val="lt1"/>
+          </a:fontRef>
+        </p:style>
+        <p:txBody>
+          <a:bodyPr rtlCol="0" anchor="ctr"/>
+          <a:p>
+            <a:pPr algn="ctr"/>
+            <a:r>
+              <a:rPr lang="zh-CN" altLang="en-US">
+                <a:solidFill>
+                  <a:srgbClr val="F7AF3F"/>
+                </a:solidFill>
+              </a:rPr>
+              <a:t>能力拓展</a:t>
+            </a:r>
+            <a:endParaRPr lang="zh-CN" altLang="en-US">
+              <a:solidFill>
+                <a:srgbClr val="F7AF3F"/>
+              </a:solidFill>
+            </a:endParaRPr>
+          </a:p>
+          <a:p>
+            <a:pPr algn="ctr"/>
+            <a:r>
+              <a:rPr lang="zh-CN" altLang="en-US">
+                <a:solidFill>
+                  <a:srgbClr val="F7AF3F"/>
+                </a:solidFill>
+              </a:rPr>
+              <a:t>（课后自学）</a:t>
+            </a:r>
+            <a:endParaRPr lang="zh-CN" altLang="en-US">
+              <a:solidFill>
+                <a:srgbClr val="F7AF3F"/>
+              </a:solidFill>
             </a:endParaRPr>
           </a:p>
         </p:txBody>
@@ -7717,7 +7817,25 @@
                 </a:solidFill>
                 <a:sym typeface="+mn-ea"/>
               </a:rPr>
-              <a:t>public class CustomClassLoader extends ClassLoader {</a:t>
+              <a:t>public class CustomClassLoader</a:t>
+            </a:r>
+            <a:r>
+              <a:rPr lang="zh-CN" altLang="en-US" sz="1200" b="1">
+                <a:solidFill>
+                  <a:srgbClr val="FF0000"/>
+                </a:solidFill>
+                <a:sym typeface="+mn-ea"/>
+              </a:rPr>
+              <a:t> extends ClassLoader</a:t>
+            </a:r>
+            <a:r>
+              <a:rPr lang="zh-CN" altLang="en-US" sz="1200">
+                <a:solidFill>
+                  <a:schemeClr val="tx1"/>
+                </a:solidFill>
+                <a:sym typeface="+mn-ea"/>
+              </a:rPr>
+              <a:t> {</a:t>
             </a:r>
             <a:endParaRPr lang="zh-CN" altLang="en-US" sz="1200">
               <a:solidFill>
@@ -15739,7 +15857,7 @@
         <p:spPr>
           <a:xfrm>
             <a:off x="141605" y="80645"/>
-            <a:ext cx="4276090" cy="6684645"/>
+            <a:ext cx="4713605" cy="6684645"/>
           </a:xfrm>
           <a:prstGeom prst="rect">
             <a:avLst/>
@@ -15987,11 +16105,20 @@
                 </a:solidFill>
                 <a:sym typeface="+mn-ea"/>
               </a:rPr>
-              <a:t>        System.out.println(name + " before giveTestPaper");</a:t>
-            </a:r>
-            <a:endParaRPr lang="zh-CN" altLang="en-US" sz="1200">
-              <a:solidFill>
-                <a:schemeClr val="tx1"/>
+              <a:t>      </a:t>
+            </a:r>
+            <a:r>
+              <a:rPr lang="zh-CN" altLang="en-US" sz="1200" b="1">
+                <a:solidFill>
+                  <a:srgbClr val="FF0000"/>
+                </a:solidFill>
+                <a:sym typeface="+mn-ea"/>
+              </a:rPr>
+              <a:t>  System.out.println(name + " before giveTestPaper");</a:t>
+            </a:r>
+            <a:endParaRPr lang="zh-CN" altLang="en-US" sz="1200" b="1">
+              <a:solidFill>
+                <a:srgbClr val="FF0000"/>
               </a:solidFill>
               <a:sym typeface="+mn-ea"/>
             </a:endParaRPr>
@@ -16023,11 +16150,20 @@
                 </a:solidFill>
                 <a:sym typeface="+mn-ea"/>
               </a:rPr>
-              <a:t>        System.out.println(name + " after giveTestPaper");</a:t>
-            </a:r>
-            <a:endParaRPr lang="zh-CN" altLang="en-US" sz="1200">
-              <a:solidFill>
-                <a:schemeClr val="tx1"/>
+              <a:t>      </a:t>
+            </a:r>
+            <a:r>
+              <a:rPr lang="zh-CN" altLang="en-US" sz="1200" b="1">
+                <a:solidFill>
+                  <a:srgbClr val="FF0000"/>
+                </a:solidFill>
+                <a:sym typeface="+mn-ea"/>
+              </a:rPr>
+              <a:t>  System.out.println(name + " after giveTestPaper");</a:t>
+            </a:r>
+            <a:endParaRPr lang="zh-CN" altLang="en-US" sz="1200" b="1">
+              <a:solidFill>
+                <a:srgbClr val="FF0000"/>
               </a:solidFill>
               <a:sym typeface="+mn-ea"/>
             </a:endParaRPr>
@@ -16086,11 +16222,20 @@
                 </a:solidFill>
                 <a:sym typeface="+mn-ea"/>
               </a:rPr>
-              <a:t>        System.out.println(name + " before writeTestPaper");</a:t>
-            </a:r>
-            <a:endParaRPr lang="zh-CN" altLang="en-US" sz="1200">
-              <a:solidFill>
-                <a:schemeClr val="tx1"/>
+              <a:t>        </a:t>
+            </a:r>
+            <a:r>
+              <a:rPr lang="zh-CN" altLang="en-US" sz="1200" b="1">
+                <a:solidFill>
+                  <a:srgbClr val="FF0000"/>
+                </a:solidFill>
+                <a:sym typeface="+mn-ea"/>
+              </a:rPr>
+              <a:t>System.out.println(name + " before writeTestPaper");</a:t>
+            </a:r>
+            <a:endParaRPr lang="zh-CN" altLang="en-US" sz="1200" b="1">
+              <a:solidFill>
+                <a:srgbClr val="FF0000"/>
               </a:solidFill>
               <a:sym typeface="+mn-ea"/>
             </a:endParaRPr>
@@ -16122,11 +16267,20 @@
                 </a:solidFill>
                 <a:sym typeface="+mn-ea"/>
               </a:rPr>
-              <a:t>        System.out.println(name + " after writeTestPaper");</a:t>
-            </a:r>
-            <a:endParaRPr lang="zh-CN" altLang="en-US" sz="1200">
-              <a:solidFill>
-                <a:schemeClr val="tx1"/>
+              <a:t>        </a:t>
+            </a:r>
+            <a:r>
+              <a:rPr lang="zh-CN" altLang="en-US" sz="1200" b="1">
+                <a:solidFill>
+                  <a:srgbClr val="FF0000"/>
+                </a:solidFill>
+                <a:sym typeface="+mn-ea"/>
+              </a:rPr>
+              <a:t>System.out.println(name + " after writeTestPaper");</a:t>
+            </a:r>
+            <a:endParaRPr lang="zh-CN" altLang="en-US" sz="1200" b="1">
+              <a:solidFill>
+                <a:srgbClr val="FF0000"/>
               </a:solidFill>
               <a:sym typeface="+mn-ea"/>
             </a:endParaRPr>
@@ -16185,11 +16339,20 @@
                 </a:solidFill>
                 <a:sym typeface="+mn-ea"/>
               </a:rPr>
-              <a:t>        System.out.println(name + " before submitTestPaper");</a:t>
-            </a:r>
-            <a:endParaRPr lang="zh-CN" altLang="en-US" sz="1200">
-              <a:solidFill>
-                <a:schemeClr val="tx1"/>
+              <a:t>       </a:t>
+            </a:r>
+            <a:r>
+              <a:rPr lang="zh-CN" altLang="en-US" sz="1200" b="1">
+                <a:solidFill>
+                  <a:srgbClr val="FF0000"/>
+                </a:solidFill>
+                <a:sym typeface="+mn-ea"/>
+              </a:rPr>
+              <a:t> System.out.println(name + " before submitTestPaper");</a:t>
+            </a:r>
+            <a:endParaRPr lang="zh-CN" altLang="en-US" sz="1200" b="1">
+              <a:solidFill>
+                <a:srgbClr val="FF0000"/>
               </a:solidFill>
               <a:sym typeface="+mn-ea"/>
             </a:endParaRPr>
@@ -16221,11 +16384,20 @@
                 </a:solidFill>
                 <a:sym typeface="+mn-ea"/>
               </a:rPr>
-              <a:t>        System.out.println(name + " after submitTestPaper");</a:t>
-            </a:r>
-            <a:endParaRPr lang="zh-CN" altLang="en-US" sz="1200">
-              <a:solidFill>
-                <a:schemeClr val="tx1"/>
+              <a:t>     </a:t>
+            </a:r>
+            <a:r>
+              <a:rPr lang="zh-CN" altLang="en-US" sz="1200" b="1">
+                <a:solidFill>
+                  <a:srgbClr val="FF0000"/>
+                </a:solidFill>
+                <a:sym typeface="+mn-ea"/>
+              </a:rPr>
+              <a:t>   System.out.println(name + " after submitTestPaper");</a:t>
+            </a:r>
+            <a:endParaRPr lang="zh-CN" altLang="en-US" sz="1200" b="1">
+              <a:solidFill>
+                <a:srgbClr val="FF0000"/>
               </a:solidFill>
               <a:sym typeface="+mn-ea"/>
             </a:endParaRPr>
@@ -16375,7 +16547,7 @@
         </p:nvSpPr>
         <p:spPr>
           <a:xfrm>
-            <a:off x="4567555" y="2727325"/>
+            <a:off x="5020945" y="2727325"/>
             <a:ext cx="2677795" cy="456565"/>
           </a:xfrm>
           <a:prstGeom prst="rect">
@@ -16434,7 +16606,7 @@
         </p:nvSpPr>
         <p:spPr>
           <a:xfrm>
-            <a:off x="4567555" y="709295"/>
+            <a:off x="5020945" y="709295"/>
             <a:ext cx="4276090" cy="1866265"/>
           </a:xfrm>
           <a:prstGeom prst="rect">
@@ -16653,7 +16825,7 @@
         </p:nvSpPr>
         <p:spPr>
           <a:xfrm>
-            <a:off x="460375" y="3791585"/>
+            <a:off x="4713605" y="4029075"/>
             <a:ext cx="2677795" cy="456565"/>
           </a:xfrm>
           <a:prstGeom prst="rect">
@@ -16706,14 +16878,14 @@
       </p:sp>
       <p:sp>
         <p:nvSpPr>
-          <p:cNvPr id="2" name="矩形 1"/>
+          <p:cNvPr id="3" name="矩形 2"/>
           <p:cNvSpPr/>
           <p:nvPr/>
         </p:nvSpPr>
         <p:spPr>
           <a:xfrm>
-            <a:off x="460375" y="4343400"/>
-            <a:ext cx="11051540" cy="2339975"/>
+            <a:off x="109855" y="135255"/>
+            <a:ext cx="4276090" cy="6587490"/>
           </a:xfrm>
           <a:prstGeom prst="rect">
             <a:avLst/>
@@ -16754,187 +16926,151 @@
                 </a:solidFill>
                 <a:sym typeface="+mn-ea"/>
               </a:rPr>
-              <a:t>    /**</a:t>
-            </a:r>
-            <a:endParaRPr lang="zh-CN" altLang="en-US" sz="1200">
-              <a:solidFill>
-                <a:schemeClr val="tx1"/>
-              </a:solidFill>
-              <a:sym typeface="+mn-ea"/>
-            </a:endParaRPr>
-          </a:p>
-          <a:p>
-            <a:pPr algn="l"/>
-            <a:r>
-              <a:rPr lang="zh-CN" altLang="en-US" sz="1200">
-                <a:solidFill>
-                  <a:schemeClr val="tx1"/>
-                </a:solidFill>
-                <a:sym typeface="+mn-ea"/>
-              </a:rPr>
-              <a:t>     * 使用切片编程</a:t>
-            </a:r>
-            <a:endParaRPr lang="zh-CN" altLang="en-US" sz="1200">
-              <a:solidFill>
-                <a:schemeClr val="tx1"/>
-              </a:solidFill>
-              <a:sym typeface="+mn-ea"/>
-            </a:endParaRPr>
-          </a:p>
-          <a:p>
-            <a:pPr algn="l"/>
-            <a:r>
-              <a:rPr lang="zh-CN" altLang="en-US" sz="1200">
-                <a:solidFill>
-                  <a:schemeClr val="tx1"/>
-                </a:solidFill>
-                <a:sym typeface="+mn-ea"/>
-              </a:rPr>
-              <a:t>     */</a:t>
-            </a:r>
-            <a:endParaRPr lang="zh-CN" altLang="en-US" sz="1200">
-              <a:solidFill>
-                <a:schemeClr val="tx1"/>
-              </a:solidFill>
-              <a:sym typeface="+mn-ea"/>
-            </a:endParaRPr>
-          </a:p>
-          <a:p>
-            <a:pPr algn="l"/>
-            <a:r>
-              <a:rPr lang="zh-CN" altLang="en-US" sz="1200">
-                <a:solidFill>
-                  <a:schemeClr val="tx1"/>
-                </a:solidFill>
-                <a:sym typeface="+mn-ea"/>
-              </a:rPr>
-              <a:t>    @Test</a:t>
-            </a:r>
-            <a:endParaRPr lang="zh-CN" altLang="en-US" sz="1200">
-              <a:solidFill>
-                <a:schemeClr val="tx1"/>
-              </a:solidFill>
-              <a:sym typeface="+mn-ea"/>
-            </a:endParaRPr>
-          </a:p>
-          <a:p>
-            <a:pPr algn="l"/>
-            <a:r>
-              <a:rPr lang="zh-CN" altLang="en-US" sz="1200">
-                <a:solidFill>
-                  <a:schemeClr val="tx1"/>
-                </a:solidFill>
-                <a:sym typeface="+mn-ea"/>
-              </a:rPr>
-              <a:t>    public void testAop2 () {</a:t>
-            </a:r>
-            <a:endParaRPr lang="zh-CN" altLang="en-US" sz="1200">
-              <a:solidFill>
-                <a:schemeClr val="tx1"/>
-              </a:solidFill>
-              <a:sym typeface="+mn-ea"/>
-            </a:endParaRPr>
-          </a:p>
-          <a:p>
-            <a:pPr algn="l"/>
-            <a:r>
-              <a:rPr lang="zh-CN" altLang="en-US" sz="1200">
-                <a:solidFill>
-                  <a:schemeClr val="tx1"/>
-                </a:solidFill>
-                <a:sym typeface="+mn-ea"/>
-              </a:rPr>
-              <a:t>        KaoShi2 kaoshi = new KaoShi2("zhangsan");</a:t>
-            </a:r>
-            <a:endParaRPr lang="zh-CN" altLang="en-US" sz="1200">
-              <a:solidFill>
-                <a:schemeClr val="tx1"/>
-              </a:solidFill>
-              <a:sym typeface="+mn-ea"/>
-            </a:endParaRPr>
-          </a:p>
-          <a:p>
-            <a:pPr algn="l"/>
-            <a:r>
-              <a:rPr lang="zh-CN" altLang="en-US" sz="1200">
-                <a:solidFill>
-                  <a:schemeClr val="tx1"/>
-                </a:solidFill>
-                <a:sym typeface="+mn-ea"/>
-              </a:rPr>
-              <a:t>        InvocationHandler handler = new LogInterceptor(kaoshi);</a:t>
-            </a:r>
-            <a:endParaRPr lang="zh-CN" altLang="en-US" sz="1200">
-              <a:solidFill>
-                <a:schemeClr val="tx1"/>
-              </a:solidFill>
-              <a:sym typeface="+mn-ea"/>
-            </a:endParaRPr>
-          </a:p>
-          <a:p>
-            <a:pPr algn="l"/>
-            <a:r>
-              <a:rPr lang="zh-CN" altLang="en-US" sz="1200">
-                <a:solidFill>
-                  <a:schemeClr val="tx1"/>
-                </a:solidFill>
-                <a:sym typeface="+mn-ea"/>
-              </a:rPr>
-              <a:t>        // newProxyInstance 必须传代理的父接口</a:t>
-            </a:r>
-            <a:endParaRPr lang="zh-CN" altLang="en-US" sz="1200">
-              <a:solidFill>
-                <a:schemeClr val="tx1"/>
-              </a:solidFill>
-              <a:sym typeface="+mn-ea"/>
-            </a:endParaRPr>
-          </a:p>
-          <a:p>
-            <a:pPr algn="l"/>
-            <a:r>
-              <a:rPr lang="zh-CN" altLang="en-US" sz="1200">
-                <a:solidFill>
-                  <a:schemeClr val="tx1"/>
-                </a:solidFill>
-                <a:sym typeface="+mn-ea"/>
-              </a:rPr>
-              <a:t>        // 生成的代理类是父接口的一个子类（动态生成的，和被代理类是兄弟类，此处不能用 KaoShi2 接收）</a:t>
-            </a:r>
-            <a:endParaRPr lang="zh-CN" altLang="en-US" sz="1200">
-              <a:solidFill>
-                <a:schemeClr val="tx1"/>
-              </a:solidFill>
-              <a:sym typeface="+mn-ea"/>
-            </a:endParaRPr>
-          </a:p>
-          <a:p>
-            <a:pPr algn="l"/>
-            <a:r>
-              <a:rPr lang="zh-CN" altLang="en-US" sz="1200">
-                <a:solidFill>
-                  <a:schemeClr val="tx1"/>
-                </a:solidFill>
-                <a:sym typeface="+mn-ea"/>
-              </a:rPr>
-              <a:t>        KaoshiInterface kaoshiInterface = (KaoshiInterface) Proxy.newProxyInstance(KaoShi2.class.getClassLoader(), new Class[] {KaoshiInterface.class}, handler);</a:t>
-            </a:r>
-            <a:endParaRPr lang="zh-CN" altLang="en-US" sz="1200">
-              <a:solidFill>
-                <a:schemeClr val="tx1"/>
-              </a:solidFill>
-              <a:sym typeface="+mn-ea"/>
-            </a:endParaRPr>
-          </a:p>
-          <a:p>
-            <a:pPr algn="l"/>
-            <a:r>
-              <a:rPr lang="zh-CN" altLang="en-US" sz="1200">
-                <a:solidFill>
-                  <a:schemeClr val="tx1"/>
-                </a:solidFill>
-                <a:sym typeface="+mn-ea"/>
-              </a:rPr>
-              <a:t>        kaoshiInterface.start();</a:t>
+              <a:t>/**</a:t>
+            </a:r>
+            <a:endParaRPr lang="zh-CN" altLang="en-US" sz="1200">
+              <a:solidFill>
+                <a:schemeClr val="tx1"/>
+              </a:solidFill>
+              <a:sym typeface="+mn-ea"/>
+            </a:endParaRPr>
+          </a:p>
+          <a:p>
+            <a:pPr algn="l"/>
+            <a:r>
+              <a:rPr lang="zh-CN" altLang="en-US" sz="1200">
+                <a:solidFill>
+                  <a:schemeClr val="tx1"/>
+                </a:solidFill>
+                <a:sym typeface="+mn-ea"/>
+              </a:rPr>
+              <a:t> * 模拟考试行为</a:t>
+            </a:r>
+            <a:endParaRPr lang="zh-CN" altLang="en-US" sz="1200">
+              <a:solidFill>
+                <a:schemeClr val="tx1"/>
+              </a:solidFill>
+              <a:sym typeface="+mn-ea"/>
+            </a:endParaRPr>
+          </a:p>
+          <a:p>
+            <a:pPr algn="l"/>
+            <a:r>
+              <a:rPr lang="zh-CN" altLang="en-US" sz="1200">
+                <a:solidFill>
+                  <a:schemeClr val="tx1"/>
+                </a:solidFill>
+                <a:sym typeface="+mn-ea"/>
+              </a:rPr>
+              <a:t> */</a:t>
+            </a:r>
+            <a:endParaRPr lang="zh-CN" altLang="en-US" sz="1200">
+              <a:solidFill>
+                <a:schemeClr val="tx1"/>
+              </a:solidFill>
+              <a:sym typeface="+mn-ea"/>
+            </a:endParaRPr>
+          </a:p>
+          <a:p>
+            <a:pPr algn="l"/>
+            <a:r>
+              <a:rPr lang="zh-CN" altLang="en-US" sz="1200">
+                <a:solidFill>
+                  <a:schemeClr val="tx1"/>
+                </a:solidFill>
+                <a:sym typeface="+mn-ea"/>
+              </a:rPr>
+              <a:t>public class KaoShi2 implements KaoshiInterface {</a:t>
+            </a:r>
+            <a:endParaRPr lang="zh-CN" altLang="en-US" sz="1200">
+              <a:solidFill>
+                <a:schemeClr val="tx1"/>
+              </a:solidFill>
+              <a:sym typeface="+mn-ea"/>
+            </a:endParaRPr>
+          </a:p>
+          <a:p>
+            <a:pPr algn="l"/>
+            <a:endParaRPr lang="zh-CN" altLang="en-US" sz="1200">
+              <a:solidFill>
+                <a:schemeClr val="tx1"/>
+              </a:solidFill>
+              <a:sym typeface="+mn-ea"/>
+            </a:endParaRPr>
+          </a:p>
+          <a:p>
+            <a:pPr algn="l"/>
+            <a:r>
+              <a:rPr lang="zh-CN" altLang="en-US" sz="1200">
+                <a:solidFill>
+                  <a:schemeClr val="tx1"/>
+                </a:solidFill>
+                <a:sym typeface="+mn-ea"/>
+              </a:rPr>
+              <a:t>    private String name;</a:t>
+            </a:r>
+            <a:endParaRPr lang="zh-CN" altLang="en-US" sz="1200">
+              <a:solidFill>
+                <a:schemeClr val="tx1"/>
+              </a:solidFill>
+              <a:sym typeface="+mn-ea"/>
+            </a:endParaRPr>
+          </a:p>
+          <a:p>
+            <a:pPr algn="l"/>
+            <a:endParaRPr lang="zh-CN" altLang="en-US" sz="1200">
+              <a:solidFill>
+                <a:schemeClr val="tx1"/>
+              </a:solidFill>
+              <a:sym typeface="+mn-ea"/>
+            </a:endParaRPr>
+          </a:p>
+          <a:p>
+            <a:pPr algn="l"/>
+            <a:r>
+              <a:rPr lang="zh-CN" altLang="en-US" sz="1200">
+                <a:solidFill>
+                  <a:schemeClr val="tx1"/>
+                </a:solidFill>
+                <a:sym typeface="+mn-ea"/>
+              </a:rPr>
+              <a:t>    public KaoShi2(String name) {</a:t>
+            </a:r>
+            <a:endParaRPr lang="zh-CN" altLang="en-US" sz="1200">
+              <a:solidFill>
+                <a:schemeClr val="tx1"/>
+              </a:solidFill>
+              <a:sym typeface="+mn-ea"/>
+            </a:endParaRPr>
+          </a:p>
+          <a:p>
+            <a:pPr algn="l"/>
+            <a:r>
+              <a:rPr lang="zh-CN" altLang="en-US" sz="1200">
+                <a:solidFill>
+                  <a:schemeClr val="tx1"/>
+                </a:solidFill>
+                <a:sym typeface="+mn-ea"/>
+              </a:rPr>
+              <a:t>        super();</a:t>
+            </a:r>
+            <a:endParaRPr lang="zh-CN" altLang="en-US" sz="1200">
+              <a:solidFill>
+                <a:schemeClr val="tx1"/>
+              </a:solidFill>
+              <a:sym typeface="+mn-ea"/>
+            </a:endParaRPr>
+          </a:p>
+          <a:p>
+            <a:pPr algn="l"/>
+            <a:r>
+              <a:rPr lang="zh-CN" altLang="en-US" sz="1200">
+                <a:solidFill>
+                  <a:schemeClr val="tx1"/>
+                </a:solidFill>
+                <a:sym typeface="+mn-ea"/>
+              </a:rPr>
+              <a:t>        this.name = name;</a:t>
             </a:r>
             <a:endParaRPr lang="zh-CN" altLang="en-US" sz="1200">
               <a:solidFill>
@@ -16961,203 +17097,43 @@
               <a:sym typeface="+mn-ea"/>
             </a:endParaRPr>
           </a:p>
-        </p:txBody>
-      </p:sp>
-      <p:sp>
-        <p:nvSpPr>
-          <p:cNvPr id="3" name="矩形 2"/>
-          <p:cNvSpPr/>
-          <p:nvPr/>
-        </p:nvSpPr>
-        <p:spPr>
-          <a:xfrm>
-            <a:off x="7235825" y="71120"/>
-            <a:ext cx="4276090" cy="5664835"/>
-          </a:xfrm>
-          <a:prstGeom prst="rect">
-            <a:avLst/>
-          </a:prstGeom>
-          <a:solidFill>
-            <a:schemeClr val="bg1"/>
-          </a:solidFill>
-          <a:ln w="28575">
-            <a:solidFill>
-              <a:srgbClr val="F59909"/>
-            </a:solidFill>
-          </a:ln>
-        </p:spPr>
-        <p:style>
-          <a:lnRef idx="2">
-            <a:schemeClr val="accent1">
-              <a:shade val="50000"/>
-            </a:schemeClr>
-          </a:lnRef>
-          <a:fillRef idx="1">
-            <a:schemeClr val="accent1"/>
-          </a:fillRef>
-          <a:effectRef idx="0">
-            <a:schemeClr val="accent1"/>
-          </a:effectRef>
-          <a:fontRef idx="minor">
-            <a:schemeClr val="lt1"/>
-          </a:fontRef>
-        </p:style>
-        <p:txBody>
-          <a:bodyPr rtlCol="0" anchor="ctr"/>
-          <a:p>
-            <a:pPr algn="l"/>
-            <a:r>
-              <a:rPr lang="zh-CN" altLang="en-US" sz="1200">
-                <a:solidFill>
-                  <a:schemeClr val="tx1"/>
-                </a:solidFill>
-                <a:sym typeface="+mn-ea"/>
-              </a:rPr>
-              <a:t>/**</a:t>
-            </a:r>
-            <a:endParaRPr lang="zh-CN" altLang="en-US" sz="1200">
-              <a:solidFill>
-                <a:schemeClr val="tx1"/>
-              </a:solidFill>
-              <a:sym typeface="+mn-ea"/>
-            </a:endParaRPr>
-          </a:p>
-          <a:p>
-            <a:pPr algn="l"/>
-            <a:r>
-              <a:rPr lang="zh-CN" altLang="en-US" sz="1200">
-                <a:solidFill>
-                  <a:schemeClr val="tx1"/>
-                </a:solidFill>
-                <a:sym typeface="+mn-ea"/>
-              </a:rPr>
-              <a:t> * 模拟考试行为</a:t>
-            </a:r>
-            <a:endParaRPr lang="zh-CN" altLang="en-US" sz="1200">
-              <a:solidFill>
-                <a:schemeClr val="tx1"/>
-              </a:solidFill>
-              <a:sym typeface="+mn-ea"/>
-            </a:endParaRPr>
-          </a:p>
-          <a:p>
-            <a:pPr algn="l"/>
-            <a:r>
-              <a:rPr lang="zh-CN" altLang="en-US" sz="1200">
-                <a:solidFill>
-                  <a:schemeClr val="tx1"/>
-                </a:solidFill>
-                <a:sym typeface="+mn-ea"/>
-              </a:rPr>
-              <a:t> */</a:t>
-            </a:r>
-            <a:endParaRPr lang="zh-CN" altLang="en-US" sz="1200">
-              <a:solidFill>
-                <a:schemeClr val="tx1"/>
-              </a:solidFill>
-              <a:sym typeface="+mn-ea"/>
-            </a:endParaRPr>
-          </a:p>
-          <a:p>
-            <a:pPr algn="l"/>
-            <a:r>
-              <a:rPr lang="zh-CN" altLang="en-US" sz="1200">
-                <a:solidFill>
-                  <a:schemeClr val="tx1"/>
-                </a:solidFill>
-                <a:sym typeface="+mn-ea"/>
-              </a:rPr>
-              <a:t>public class KaoShi2 implements KaoshiInterface {</a:t>
-            </a:r>
-            <a:endParaRPr lang="zh-CN" altLang="en-US" sz="1200">
-              <a:solidFill>
-                <a:schemeClr val="tx1"/>
-              </a:solidFill>
-              <a:sym typeface="+mn-ea"/>
-            </a:endParaRPr>
-          </a:p>
-          <a:p>
-            <a:pPr algn="l"/>
-            <a:endParaRPr lang="zh-CN" altLang="en-US" sz="1200">
-              <a:solidFill>
-                <a:schemeClr val="tx1"/>
-              </a:solidFill>
-              <a:sym typeface="+mn-ea"/>
-            </a:endParaRPr>
-          </a:p>
-          <a:p>
-            <a:pPr algn="l"/>
-            <a:r>
-              <a:rPr lang="zh-CN" altLang="en-US" sz="1200">
-                <a:solidFill>
-                  <a:schemeClr val="tx1"/>
-                </a:solidFill>
-                <a:sym typeface="+mn-ea"/>
-              </a:rPr>
-              <a:t>    private String name;</a:t>
-            </a:r>
-            <a:endParaRPr lang="zh-CN" altLang="en-US" sz="1200">
-              <a:solidFill>
-                <a:schemeClr val="tx1"/>
-              </a:solidFill>
-              <a:sym typeface="+mn-ea"/>
-            </a:endParaRPr>
-          </a:p>
-          <a:p>
-            <a:pPr algn="l"/>
-            <a:endParaRPr lang="zh-CN" altLang="en-US" sz="1200">
-              <a:solidFill>
-                <a:schemeClr val="tx1"/>
-              </a:solidFill>
-              <a:sym typeface="+mn-ea"/>
-            </a:endParaRPr>
-          </a:p>
-          <a:p>
-            <a:pPr algn="l"/>
-            <a:r>
-              <a:rPr lang="zh-CN" altLang="en-US" sz="1200">
-                <a:solidFill>
-                  <a:schemeClr val="tx1"/>
-                </a:solidFill>
-                <a:sym typeface="+mn-ea"/>
-              </a:rPr>
-              <a:t>    public KaoShi2(String name) {</a:t>
-            </a:r>
-            <a:endParaRPr lang="zh-CN" altLang="en-US" sz="1200">
-              <a:solidFill>
-                <a:schemeClr val="tx1"/>
-              </a:solidFill>
-              <a:sym typeface="+mn-ea"/>
-            </a:endParaRPr>
-          </a:p>
-          <a:p>
-            <a:pPr algn="l"/>
-            <a:r>
-              <a:rPr lang="zh-CN" altLang="en-US" sz="1200">
-                <a:solidFill>
-                  <a:schemeClr val="tx1"/>
-                </a:solidFill>
-                <a:sym typeface="+mn-ea"/>
-              </a:rPr>
-              <a:t>        super();</a:t>
-            </a:r>
-            <a:endParaRPr lang="zh-CN" altLang="en-US" sz="1200">
-              <a:solidFill>
-                <a:schemeClr val="tx1"/>
-              </a:solidFill>
-              <a:sym typeface="+mn-ea"/>
-            </a:endParaRPr>
-          </a:p>
-          <a:p>
-            <a:pPr algn="l"/>
-            <a:r>
-              <a:rPr lang="zh-CN" altLang="en-US" sz="1200">
-                <a:solidFill>
-                  <a:schemeClr val="tx1"/>
-                </a:solidFill>
-                <a:sym typeface="+mn-ea"/>
-              </a:rPr>
-              <a:t>        this.name = name;</a:t>
+          <a:p>
+            <a:pPr algn="l"/>
+            <a:endParaRPr lang="zh-CN" altLang="en-US" sz="1200">
+              <a:solidFill>
+                <a:schemeClr val="tx1"/>
+              </a:solidFill>
+              <a:sym typeface="+mn-ea"/>
+            </a:endParaRPr>
+          </a:p>
+          <a:p>
+            <a:pPr algn="l"/>
+            <a:r>
+              <a:rPr lang="zh-CN" altLang="en-US" sz="1200">
+                <a:solidFill>
+                  <a:schemeClr val="tx1"/>
+                </a:solidFill>
+                <a:sym typeface="+mn-ea"/>
+              </a:rPr>
+              <a:t>    public void giveTestPaper() {</a:t>
+            </a:r>
+            <a:endParaRPr lang="zh-CN" altLang="en-US" sz="1200">
+              <a:solidFill>
+                <a:schemeClr val="tx1"/>
+              </a:solidFill>
+              <a:sym typeface="+mn-ea"/>
+            </a:endParaRPr>
+          </a:p>
+          <a:p>
+            <a:pPr algn="l"/>
+            <a:r>
+              <a:rPr lang="zh-CN" altLang="en-US" sz="1200">
+                <a:solidFill>
+                  <a:schemeClr val="tx1"/>
+                </a:solidFill>
+                <a:sym typeface="+mn-ea"/>
+              </a:rPr>
+              <a:t>        System.out.println("发试卷啦~");</a:t>
             </a:r>
             <a:endParaRPr lang="zh-CN" altLang="en-US" sz="1200">
               <a:solidFill>
@@ -17186,41 +17162,32 @@
           </a:p>
           <a:p>
             <a:pPr algn="l"/>
-            <a:endParaRPr lang="zh-CN" altLang="en-US" sz="1200">
-              <a:solidFill>
-                <a:schemeClr val="tx1"/>
-              </a:solidFill>
-              <a:sym typeface="+mn-ea"/>
-            </a:endParaRPr>
-          </a:p>
-          <a:p>
-            <a:pPr algn="l"/>
-            <a:r>
-              <a:rPr lang="zh-CN" altLang="en-US" sz="1200">
-                <a:solidFill>
-                  <a:schemeClr val="tx1"/>
-                </a:solidFill>
-                <a:sym typeface="+mn-ea"/>
-              </a:rPr>
-              <a:t>    public void giveTestPaper() {</a:t>
-            </a:r>
-            <a:endParaRPr lang="zh-CN" altLang="en-US" sz="1200">
-              <a:solidFill>
-                <a:schemeClr val="tx1"/>
-              </a:solidFill>
-              <a:sym typeface="+mn-ea"/>
-            </a:endParaRPr>
-          </a:p>
-          <a:p>
-            <a:pPr algn="l"/>
-            <a:r>
-              <a:rPr lang="zh-CN" altLang="en-US" sz="1200">
-                <a:solidFill>
-                  <a:schemeClr val="tx1"/>
-                </a:solidFill>
-                <a:sym typeface="+mn-ea"/>
-              </a:rPr>
-              <a:t>        System.out.println("发试卷啦~");</a:t>
+            <a:r>
+              <a:rPr lang="zh-CN" altLang="en-US" sz="1200">
+                <a:solidFill>
+                  <a:schemeClr val="tx1"/>
+                </a:solidFill>
+                <a:sym typeface="+mn-ea"/>
+              </a:rPr>
+              <a:t>    public void writeTestPaper() {</a:t>
+            </a:r>
+            <a:endParaRPr lang="zh-CN" altLang="en-US" sz="1200">
+              <a:solidFill>
+                <a:schemeClr val="tx1"/>
+              </a:solidFill>
+              <a:sym typeface="+mn-ea"/>
+            </a:endParaRPr>
+          </a:p>
+          <a:p>
+            <a:pPr algn="l"/>
+            <a:r>
+              <a:rPr lang="zh-CN" altLang="en-US" sz="1200">
+                <a:solidFill>
+                  <a:schemeClr val="tx1"/>
+                </a:solidFill>
+                <a:sym typeface="+mn-ea"/>
+              </a:rPr>
+              <a:t>        System.out.println("写试卷啦~");</a:t>
             </a:r>
             <a:endParaRPr lang="zh-CN" altLang="en-US" sz="1200">
               <a:solidFill>
@@ -17249,41 +17216,32 @@
           </a:p>
           <a:p>
             <a:pPr algn="l"/>
-            <a:endParaRPr lang="zh-CN" altLang="en-US" sz="1200">
-              <a:solidFill>
-                <a:schemeClr val="tx1"/>
-              </a:solidFill>
-              <a:sym typeface="+mn-ea"/>
-            </a:endParaRPr>
-          </a:p>
-          <a:p>
-            <a:pPr algn="l"/>
-            <a:r>
-              <a:rPr lang="zh-CN" altLang="en-US" sz="1200">
-                <a:solidFill>
-                  <a:schemeClr val="tx1"/>
-                </a:solidFill>
-                <a:sym typeface="+mn-ea"/>
-              </a:rPr>
-              <a:t>    public void writeTestPaper() {</a:t>
-            </a:r>
-            <a:endParaRPr lang="zh-CN" altLang="en-US" sz="1200">
-              <a:solidFill>
-                <a:schemeClr val="tx1"/>
-              </a:solidFill>
-              <a:sym typeface="+mn-ea"/>
-            </a:endParaRPr>
-          </a:p>
-          <a:p>
-            <a:pPr algn="l"/>
-            <a:r>
-              <a:rPr lang="zh-CN" altLang="en-US" sz="1200">
-                <a:solidFill>
-                  <a:schemeClr val="tx1"/>
-                </a:solidFill>
-                <a:sym typeface="+mn-ea"/>
-              </a:rPr>
-              <a:t>        System.out.println("写试卷啦~");</a:t>
+            <a:r>
+              <a:rPr lang="zh-CN" altLang="en-US" sz="1200">
+                <a:solidFill>
+                  <a:schemeClr val="tx1"/>
+                </a:solidFill>
+                <a:sym typeface="+mn-ea"/>
+              </a:rPr>
+              <a:t>    public void submitTestPaper() {</a:t>
+            </a:r>
+            <a:endParaRPr lang="zh-CN" altLang="en-US" sz="1200">
+              <a:solidFill>
+                <a:schemeClr val="tx1"/>
+              </a:solidFill>
+              <a:sym typeface="+mn-ea"/>
+            </a:endParaRPr>
+          </a:p>
+          <a:p>
+            <a:pPr algn="l"/>
+            <a:r>
+              <a:rPr lang="zh-CN" altLang="en-US" sz="1200">
+                <a:solidFill>
+                  <a:schemeClr val="tx1"/>
+                </a:solidFill>
+                <a:sym typeface="+mn-ea"/>
+              </a:rPr>
+              <a:t>        System.out.println("收试卷啦~");</a:t>
             </a:r>
             <a:endParaRPr lang="zh-CN" altLang="en-US" sz="1200">
               <a:solidFill>
@@ -17328,25 +17286,61 @@
                 </a:solidFill>
                 <a:sym typeface="+mn-ea"/>
               </a:rPr>
-              <a:t>    public void submitTestPaper() {</a:t>
-            </a:r>
-            <a:endParaRPr lang="zh-CN" altLang="en-US" sz="1200">
-              <a:solidFill>
-                <a:schemeClr val="tx1"/>
-              </a:solidFill>
-              <a:sym typeface="+mn-ea"/>
-            </a:endParaRPr>
-          </a:p>
-          <a:p>
-            <a:pPr algn="l"/>
-            <a:r>
-              <a:rPr lang="zh-CN" altLang="en-US" sz="1200">
-                <a:solidFill>
-                  <a:schemeClr val="tx1"/>
-                </a:solidFill>
-                <a:sym typeface="+mn-ea"/>
-              </a:rPr>
-              <a:t>        System.out.println("收试卷啦~");</a:t>
+              <a:t>    public void start() {</a:t>
+            </a:r>
+            <a:endParaRPr lang="zh-CN" altLang="en-US" sz="1200">
+              <a:solidFill>
+                <a:schemeClr val="tx1"/>
+              </a:solidFill>
+              <a:sym typeface="+mn-ea"/>
+            </a:endParaRPr>
+          </a:p>
+          <a:p>
+            <a:pPr algn="l"/>
+            <a:r>
+              <a:rPr lang="zh-CN" altLang="en-US" sz="1200">
+                <a:solidFill>
+                  <a:schemeClr val="tx1"/>
+                </a:solidFill>
+                <a:sym typeface="+mn-ea"/>
+              </a:rPr>
+              <a:t>        this.giveTestPaper();</a:t>
+            </a:r>
+            <a:endParaRPr lang="zh-CN" altLang="en-US" sz="1200">
+              <a:solidFill>
+                <a:schemeClr val="tx1"/>
+              </a:solidFill>
+              <a:sym typeface="+mn-ea"/>
+            </a:endParaRPr>
+          </a:p>
+          <a:p>
+            <a:pPr algn="l"/>
+            <a:r>
+              <a:rPr lang="zh-CN" altLang="en-US" sz="1200">
+                <a:solidFill>
+                  <a:schemeClr val="tx1"/>
+                </a:solidFill>
+                <a:sym typeface="+mn-ea"/>
+              </a:rPr>
+              <a:t>        this.writeTestPaper();</a:t>
+            </a:r>
+            <a:endParaRPr lang="zh-CN" altLang="en-US" sz="1200">
+              <a:solidFill>
+                <a:schemeClr val="tx1"/>
+              </a:solidFill>
+              <a:sym typeface="+mn-ea"/>
+            </a:endParaRPr>
+          </a:p>
+          <a:p>
+            <a:pPr algn="l"/>
+            <a:r>
+              <a:rPr lang="zh-CN" altLang="en-US" sz="1200">
+                <a:solidFill>
+                  <a:schemeClr val="tx1"/>
+                </a:solidFill>
+                <a:sym typeface="+mn-ea"/>
+              </a:rPr>
+              <a:t>        this.submitTestPaper();</a:t>
             </a:r>
             <a:endParaRPr lang="zh-CN" altLang="en-US" sz="1200">
               <a:solidFill>
@@ -17391,61 +17385,79 @@
                 </a:solidFill>
                 <a:sym typeface="+mn-ea"/>
               </a:rPr>
-              <a:t>    public void start() {</a:t>
-            </a:r>
-            <a:endParaRPr lang="zh-CN" altLang="en-US" sz="1200">
-              <a:solidFill>
-                <a:schemeClr val="tx1"/>
-              </a:solidFill>
-              <a:sym typeface="+mn-ea"/>
-            </a:endParaRPr>
-          </a:p>
-          <a:p>
-            <a:pPr algn="l"/>
-            <a:r>
-              <a:rPr lang="zh-CN" altLang="en-US" sz="1200">
-                <a:solidFill>
-                  <a:schemeClr val="tx1"/>
-                </a:solidFill>
-                <a:sym typeface="+mn-ea"/>
-              </a:rPr>
-              <a:t>        this.giveTestPaper();</a:t>
-            </a:r>
-            <a:endParaRPr lang="zh-CN" altLang="en-US" sz="1200">
-              <a:solidFill>
-                <a:schemeClr val="tx1"/>
-              </a:solidFill>
-              <a:sym typeface="+mn-ea"/>
-            </a:endParaRPr>
-          </a:p>
-          <a:p>
-            <a:pPr algn="l"/>
-            <a:r>
-              <a:rPr lang="zh-CN" altLang="en-US" sz="1200">
-                <a:solidFill>
-                  <a:schemeClr val="tx1"/>
-                </a:solidFill>
-                <a:sym typeface="+mn-ea"/>
-              </a:rPr>
-              <a:t>        this.writeTestPaper();</a:t>
-            </a:r>
-            <a:endParaRPr lang="zh-CN" altLang="en-US" sz="1200">
-              <a:solidFill>
-                <a:schemeClr val="tx1"/>
-              </a:solidFill>
-              <a:sym typeface="+mn-ea"/>
-            </a:endParaRPr>
-          </a:p>
-          <a:p>
-            <a:pPr algn="l"/>
-            <a:r>
-              <a:rPr lang="zh-CN" altLang="en-US" sz="1200">
-                <a:solidFill>
-                  <a:schemeClr val="tx1"/>
-                </a:solidFill>
-                <a:sym typeface="+mn-ea"/>
-              </a:rPr>
-              <a:t>        this.submitTestPaper();</a:t>
+              <a:t>    public static void start(KaoshiInterface kaoshi) {</a:t>
+            </a:r>
+            <a:endParaRPr lang="zh-CN" altLang="en-US" sz="1200">
+              <a:solidFill>
+                <a:schemeClr val="tx1"/>
+              </a:solidFill>
+              <a:sym typeface="+mn-ea"/>
+            </a:endParaRPr>
+          </a:p>
+          <a:p>
+            <a:pPr algn="l"/>
+            <a:r>
+              <a:rPr lang="zh-CN" altLang="en-US" sz="1200">
+                <a:solidFill>
+                  <a:schemeClr val="tx1"/>
+                </a:solidFill>
+                <a:sym typeface="+mn-ea"/>
+              </a:rPr>
+              <a:t>        // 使用动态代理类,而不是代理前的类</a:t>
+            </a:r>
+            <a:endParaRPr lang="zh-CN" altLang="en-US" sz="1200">
+              <a:solidFill>
+                <a:schemeClr val="tx1"/>
+              </a:solidFill>
+              <a:sym typeface="+mn-ea"/>
+            </a:endParaRPr>
+          </a:p>
+          <a:p>
+            <a:pPr algn="l"/>
+            <a:r>
+              <a:rPr lang="zh-CN" altLang="en-US" sz="1200">
+                <a:solidFill>
+                  <a:schemeClr val="tx1"/>
+                </a:solidFill>
+                <a:sym typeface="+mn-ea"/>
+              </a:rPr>
+              <a:t>        kaoshi.giveTestPaper();</a:t>
+            </a:r>
+            <a:endParaRPr lang="zh-CN" altLang="en-US" sz="1200">
+              <a:solidFill>
+                <a:schemeClr val="tx1"/>
+              </a:solidFill>
+              <a:sym typeface="+mn-ea"/>
+            </a:endParaRPr>
+          </a:p>
+          <a:p>
+            <a:pPr algn="l"/>
+            <a:r>
+              <a:rPr lang="zh-CN" altLang="en-US" sz="1200">
+                <a:solidFill>
+                  <a:schemeClr val="tx1"/>
+                </a:solidFill>
+                <a:sym typeface="+mn-ea"/>
+              </a:rPr>
+              <a:t>        kaoshi.writeTestPaper();</a:t>
+            </a:r>
+            <a:endParaRPr lang="zh-CN" altLang="en-US" sz="1200">
+              <a:solidFill>
+                <a:schemeClr val="tx1"/>
+              </a:solidFill>
+              <a:sym typeface="+mn-ea"/>
+            </a:endParaRPr>
+          </a:p>
+          <a:p>
+            <a:pPr algn="l"/>
+            <a:r>
+              <a:rPr lang="zh-CN" altLang="en-US" sz="1200">
+                <a:solidFill>
+                  <a:schemeClr val="tx1"/>
+                </a:solidFill>
+                <a:sym typeface="+mn-ea"/>
+              </a:rPr>
+              <a:t>        kaoshi.submitTestPaper();</a:t>
             </a:r>
             <a:endParaRPr lang="zh-CN" altLang="en-US" sz="1200">
               <a:solidFill>
@@ -17500,7 +17512,7 @@
         </p:nvSpPr>
         <p:spPr>
           <a:xfrm>
-            <a:off x="460375" y="71120"/>
+            <a:off x="4713605" y="135255"/>
             <a:ext cx="6487160" cy="3625850"/>
           </a:xfrm>
           <a:prstGeom prst="rect">
@@ -17858,7 +17870,7 @@
         </p:nvSpPr>
         <p:spPr>
           <a:xfrm>
-            <a:off x="4458335" y="3230880"/>
+            <a:off x="4713605" y="4754245"/>
             <a:ext cx="2489200" cy="1968500"/>
           </a:xfrm>
           <a:prstGeom prst="rect">
@@ -18071,14 +18083,505 @@
       <p:grpSpPr/>
       <p:sp>
         <p:nvSpPr>
-          <p:cNvPr id="5" name="矩形 4"/>
+          <p:cNvPr id="2" name="矩形 1"/>
           <p:cNvSpPr/>
           <p:nvPr/>
         </p:nvSpPr>
         <p:spPr>
           <a:xfrm>
-            <a:off x="3611245" y="3855085"/>
-            <a:ext cx="3333750" cy="456565"/>
+            <a:off x="360680" y="845185"/>
+            <a:ext cx="11287760" cy="2805430"/>
+          </a:xfrm>
+          <a:prstGeom prst="rect">
+            <a:avLst/>
+          </a:prstGeom>
+          <a:solidFill>
+            <a:schemeClr val="bg1"/>
+          </a:solidFill>
+          <a:ln w="28575">
+            <a:solidFill>
+              <a:srgbClr val="F59909"/>
+            </a:solidFill>
+          </a:ln>
+        </p:spPr>
+        <p:style>
+          <a:lnRef idx="2">
+            <a:schemeClr val="accent1">
+              <a:shade val="50000"/>
+            </a:schemeClr>
+          </a:lnRef>
+          <a:fillRef idx="1">
+            <a:schemeClr val="accent1"/>
+          </a:fillRef>
+          <a:effectRef idx="0">
+            <a:schemeClr val="accent1"/>
+          </a:effectRef>
+          <a:fontRef idx="minor">
+            <a:schemeClr val="lt1"/>
+          </a:fontRef>
+        </p:style>
+        <p:txBody>
+          <a:bodyPr rtlCol="0" anchor="ctr"/>
+          <a:p>
+            <a:pPr algn="l"/>
+            <a:r>
+              <a:rPr lang="zh-CN" altLang="en-US" sz="1200">
+                <a:solidFill>
+                  <a:schemeClr val="tx1"/>
+                </a:solidFill>
+                <a:sym typeface="+mn-ea"/>
+              </a:rPr>
+              <a:t>    /**</a:t>
+            </a:r>
+            <a:endParaRPr lang="zh-CN" altLang="en-US" sz="1200">
+              <a:solidFill>
+                <a:schemeClr val="tx1"/>
+              </a:solidFill>
+              <a:sym typeface="+mn-ea"/>
+            </a:endParaRPr>
+          </a:p>
+          <a:p>
+            <a:pPr algn="l"/>
+            <a:r>
+              <a:rPr lang="zh-CN" altLang="en-US" sz="1200">
+                <a:solidFill>
+                  <a:schemeClr val="tx1"/>
+                </a:solidFill>
+                <a:sym typeface="+mn-ea"/>
+              </a:rPr>
+              <a:t>     * 使用切片编程</a:t>
+            </a:r>
+            <a:endParaRPr lang="zh-CN" altLang="en-US" sz="1200">
+              <a:solidFill>
+                <a:schemeClr val="tx1"/>
+              </a:solidFill>
+              <a:sym typeface="+mn-ea"/>
+            </a:endParaRPr>
+          </a:p>
+          <a:p>
+            <a:pPr algn="l"/>
+            <a:r>
+              <a:rPr lang="zh-CN" altLang="en-US" sz="1200">
+                <a:solidFill>
+                  <a:schemeClr val="tx1"/>
+                </a:solidFill>
+                <a:sym typeface="+mn-ea"/>
+              </a:rPr>
+              <a:t>     */</a:t>
+            </a:r>
+            <a:endParaRPr lang="zh-CN" altLang="en-US" sz="1200">
+              <a:solidFill>
+                <a:schemeClr val="tx1"/>
+              </a:solidFill>
+              <a:sym typeface="+mn-ea"/>
+            </a:endParaRPr>
+          </a:p>
+          <a:p>
+            <a:pPr algn="l"/>
+            <a:r>
+              <a:rPr lang="zh-CN" altLang="en-US" sz="1200">
+                <a:solidFill>
+                  <a:schemeClr val="tx1"/>
+                </a:solidFill>
+                <a:sym typeface="+mn-ea"/>
+              </a:rPr>
+              <a:t>    @Test</a:t>
+            </a:r>
+            <a:endParaRPr lang="zh-CN" altLang="en-US" sz="1200">
+              <a:solidFill>
+                <a:schemeClr val="tx1"/>
+              </a:solidFill>
+              <a:sym typeface="+mn-ea"/>
+            </a:endParaRPr>
+          </a:p>
+          <a:p>
+            <a:pPr algn="l"/>
+            <a:r>
+              <a:rPr lang="zh-CN" altLang="en-US" sz="1200">
+                <a:solidFill>
+                  <a:schemeClr val="tx1"/>
+                </a:solidFill>
+                <a:sym typeface="+mn-ea"/>
+              </a:rPr>
+              <a:t>    public void testAop2 () {</a:t>
+            </a:r>
+            <a:endParaRPr lang="zh-CN" altLang="en-US" sz="1200">
+              <a:solidFill>
+                <a:schemeClr val="tx1"/>
+              </a:solidFill>
+              <a:sym typeface="+mn-ea"/>
+            </a:endParaRPr>
+          </a:p>
+          <a:p>
+            <a:pPr algn="l"/>
+            <a:r>
+              <a:rPr lang="zh-CN" altLang="en-US" sz="1200">
+                <a:solidFill>
+                  <a:schemeClr val="tx1"/>
+                </a:solidFill>
+                <a:sym typeface="+mn-ea"/>
+              </a:rPr>
+              <a:t>        KaoShi2 kaoshi = new KaoShi2("zhangsan");</a:t>
+            </a:r>
+            <a:endParaRPr lang="zh-CN" altLang="en-US" sz="1200">
+              <a:solidFill>
+                <a:schemeClr val="tx1"/>
+              </a:solidFill>
+              <a:sym typeface="+mn-ea"/>
+            </a:endParaRPr>
+          </a:p>
+          <a:p>
+            <a:pPr algn="l"/>
+            <a:r>
+              <a:rPr lang="zh-CN" altLang="en-US" sz="1200">
+                <a:solidFill>
+                  <a:schemeClr val="tx1"/>
+                </a:solidFill>
+                <a:sym typeface="+mn-ea"/>
+              </a:rPr>
+              <a:t>        InvocationHandler handler = new LogInterceptor(kaoshi);</a:t>
+            </a:r>
+            <a:endParaRPr lang="zh-CN" altLang="en-US" sz="1200">
+              <a:solidFill>
+                <a:schemeClr val="tx1"/>
+              </a:solidFill>
+              <a:sym typeface="+mn-ea"/>
+            </a:endParaRPr>
+          </a:p>
+          <a:p>
+            <a:pPr algn="l"/>
+            <a:r>
+              <a:rPr lang="zh-CN" altLang="en-US" sz="1200">
+                <a:solidFill>
+                  <a:schemeClr val="tx1"/>
+                </a:solidFill>
+                <a:sym typeface="+mn-ea"/>
+              </a:rPr>
+              <a:t>        // newProxyInstance 必须传代理的父接口</a:t>
+            </a:r>
+            <a:endParaRPr lang="zh-CN" altLang="en-US" sz="1200">
+              <a:solidFill>
+                <a:schemeClr val="tx1"/>
+              </a:solidFill>
+              <a:sym typeface="+mn-ea"/>
+            </a:endParaRPr>
+          </a:p>
+          <a:p>
+            <a:pPr algn="l"/>
+            <a:r>
+              <a:rPr lang="zh-CN" altLang="en-US" sz="1200">
+                <a:solidFill>
+                  <a:schemeClr val="tx1"/>
+                </a:solidFill>
+                <a:sym typeface="+mn-ea"/>
+              </a:rPr>
+              <a:t>        // 生成的代理类是父接口的一个子类（动态生成的，和被代理类是兄弟类，此处不能用 KaoShi2 接收）</a:t>
+            </a:r>
+            <a:endParaRPr lang="zh-CN" altLang="en-US" sz="1200">
+              <a:solidFill>
+                <a:schemeClr val="tx1"/>
+              </a:solidFill>
+              <a:sym typeface="+mn-ea"/>
+            </a:endParaRPr>
+          </a:p>
+          <a:p>
+            <a:pPr algn="l"/>
+            <a:r>
+              <a:rPr lang="zh-CN" altLang="en-US" sz="1200">
+                <a:solidFill>
+                  <a:schemeClr val="tx1"/>
+                </a:solidFill>
+                <a:sym typeface="+mn-ea"/>
+              </a:rPr>
+              <a:t>        KaoshiInterface kaoshiInterface = (KaoshiInterface) </a:t>
+            </a:r>
+            <a:r>
+              <a:rPr lang="zh-CN" altLang="en-US" sz="1200" b="1">
+                <a:solidFill>
+                  <a:srgbClr val="FF0000"/>
+                </a:solidFill>
+                <a:sym typeface="+mn-ea"/>
+              </a:rPr>
+              <a:t>Proxy.newProxyInstance</a:t>
+            </a:r>
+            <a:r>
+              <a:rPr lang="zh-CN" altLang="en-US" sz="1200">
+                <a:solidFill>
+                  <a:schemeClr val="tx1"/>
+                </a:solidFill>
+                <a:sym typeface="+mn-ea"/>
+              </a:rPr>
+              <a:t>(KaoShi2.class.getClassLoader(), new Class[] {KaoshiInterface.class}, handler);</a:t>
+            </a:r>
+            <a:endParaRPr lang="zh-CN" altLang="en-US" sz="1200">
+              <a:solidFill>
+                <a:schemeClr val="tx1"/>
+              </a:solidFill>
+              <a:sym typeface="+mn-ea"/>
+            </a:endParaRPr>
+          </a:p>
+          <a:p>
+            <a:pPr algn="l"/>
+            <a:r>
+              <a:rPr lang="zh-CN" altLang="en-US" sz="1200">
+                <a:solidFill>
+                  <a:schemeClr val="tx1"/>
+                </a:solidFill>
+                <a:sym typeface="+mn-ea"/>
+              </a:rPr>
+              <a:t>        </a:t>
+            </a:r>
+            <a:r>
+              <a:rPr lang="en-US" altLang="zh-CN" sz="1200">
+                <a:solidFill>
+                  <a:schemeClr val="tx1"/>
+                </a:solidFill>
+                <a:sym typeface="+mn-ea"/>
+              </a:rPr>
+              <a:t>// </a:t>
+            </a:r>
+            <a:r>
+              <a:rPr lang="zh-CN" altLang="en-US" sz="1200">
+                <a:solidFill>
+                  <a:schemeClr val="tx1"/>
+                </a:solidFill>
+                <a:sym typeface="+mn-ea"/>
+              </a:rPr>
+              <a:t>kaoshiInterface.start();</a:t>
+            </a:r>
+            <a:endParaRPr lang="zh-CN" altLang="en-US" sz="1200">
+              <a:solidFill>
+                <a:schemeClr val="tx1"/>
+              </a:solidFill>
+              <a:sym typeface="+mn-ea"/>
+            </a:endParaRPr>
+          </a:p>
+          <a:p>
+            <a:pPr algn="l"/>
+            <a:endParaRPr lang="zh-CN" altLang="en-US" sz="1200">
+              <a:solidFill>
+                <a:schemeClr val="tx1"/>
+              </a:solidFill>
+              <a:sym typeface="+mn-ea"/>
+            </a:endParaRPr>
+          </a:p>
+          <a:p>
+            <a:pPr algn="l"/>
+            <a:r>
+              <a:rPr lang="zh-CN" altLang="en-US" sz="1200">
+                <a:solidFill>
+                  <a:schemeClr val="tx1"/>
+                </a:solidFill>
+                <a:sym typeface="+mn-ea"/>
+              </a:rPr>
+              <a:t>        kaoShi.start(kaoShiInterface);</a:t>
+            </a:r>
+            <a:endParaRPr lang="zh-CN" altLang="en-US" sz="1200">
+              <a:solidFill>
+                <a:schemeClr val="tx1"/>
+              </a:solidFill>
+              <a:sym typeface="+mn-ea"/>
+            </a:endParaRPr>
+          </a:p>
+          <a:p>
+            <a:pPr algn="l"/>
+            <a:r>
+              <a:rPr lang="zh-CN" altLang="en-US" sz="1200">
+                <a:solidFill>
+                  <a:schemeClr val="tx1"/>
+                </a:solidFill>
+                <a:sym typeface="+mn-ea"/>
+              </a:rPr>
+              <a:t>    }</a:t>
+            </a:r>
+            <a:endParaRPr lang="zh-CN" altLang="en-US" sz="1200">
+              <a:solidFill>
+                <a:schemeClr val="tx1"/>
+              </a:solidFill>
+              <a:sym typeface="+mn-ea"/>
+            </a:endParaRPr>
+          </a:p>
+        </p:txBody>
+      </p:sp>
+      <p:sp>
+        <p:nvSpPr>
+          <p:cNvPr id="4" name="矩形 3"/>
+          <p:cNvSpPr/>
+          <p:nvPr/>
+        </p:nvSpPr>
+        <p:spPr>
+          <a:xfrm>
+            <a:off x="360680" y="4752340"/>
+            <a:ext cx="11287760" cy="1539875"/>
+          </a:xfrm>
+          <a:prstGeom prst="rect">
+            <a:avLst/>
+          </a:prstGeom>
+          <a:solidFill>
+            <a:schemeClr val="bg1"/>
+          </a:solidFill>
+          <a:ln w="28575">
+            <a:solidFill>
+              <a:srgbClr val="F59909"/>
+            </a:solidFill>
+          </a:ln>
+        </p:spPr>
+        <p:style>
+          <a:lnRef idx="2">
+            <a:schemeClr val="accent1">
+              <a:shade val="50000"/>
+            </a:schemeClr>
+          </a:lnRef>
+          <a:fillRef idx="1">
+            <a:schemeClr val="accent1"/>
+          </a:fillRef>
+          <a:effectRef idx="0">
+            <a:schemeClr val="accent1"/>
+          </a:effectRef>
+          <a:fontRef idx="minor">
+            <a:schemeClr val="lt1"/>
+          </a:fontRef>
+        </p:style>
+        <p:txBody>
+          <a:bodyPr rtlCol="0" anchor="ctr"/>
+          <a:p>
+            <a:pPr algn="l"/>
+            <a:r>
+              <a:rPr lang="zh-CN" altLang="en-US" sz="1200">
+                <a:solidFill>
+                  <a:schemeClr val="tx1"/>
+                </a:solidFill>
+                <a:sym typeface="+mn-ea"/>
+              </a:rPr>
+              <a:t>    @Test</a:t>
+            </a:r>
+            <a:endParaRPr lang="zh-CN" altLang="en-US" sz="1200">
+              <a:solidFill>
+                <a:schemeClr val="tx1"/>
+              </a:solidFill>
+              <a:sym typeface="+mn-ea"/>
+            </a:endParaRPr>
+          </a:p>
+          <a:p>
+            <a:pPr algn="l"/>
+            <a:r>
+              <a:rPr lang="zh-CN" altLang="en-US" sz="1200">
+                <a:solidFill>
+                  <a:schemeClr val="tx1"/>
+                </a:solidFill>
+                <a:sym typeface="+mn-ea"/>
+              </a:rPr>
+              <a:t>    public void testAop4 () {</a:t>
+            </a:r>
+            <a:endParaRPr lang="zh-CN" altLang="en-US" sz="1200">
+              <a:solidFill>
+                <a:schemeClr val="tx1"/>
+              </a:solidFill>
+              <a:sym typeface="+mn-ea"/>
+            </a:endParaRPr>
+          </a:p>
+          <a:p>
+            <a:pPr algn="l"/>
+            <a:r>
+              <a:rPr lang="zh-CN" altLang="en-US" sz="1200">
+                <a:solidFill>
+                  <a:schemeClr val="tx1"/>
+                </a:solidFill>
+                <a:sym typeface="+mn-ea"/>
+              </a:rPr>
+              <a:t>        String str = new String("helloworld");</a:t>
+            </a:r>
+            <a:endParaRPr lang="zh-CN" altLang="en-US" sz="1200">
+              <a:solidFill>
+                <a:schemeClr val="tx1"/>
+              </a:solidFill>
+              <a:sym typeface="+mn-ea"/>
+            </a:endParaRPr>
+          </a:p>
+          <a:p>
+            <a:pPr algn="l"/>
+            <a:r>
+              <a:rPr lang="zh-CN" altLang="en-US" sz="1200">
+                <a:solidFill>
+                  <a:schemeClr val="tx1"/>
+                </a:solidFill>
+                <a:sym typeface="+mn-ea"/>
+              </a:rPr>
+              <a:t>        InvocationHandler handler = new LogInterceptor(str);</a:t>
+            </a:r>
+            <a:endParaRPr lang="zh-CN" altLang="en-US" sz="1200">
+              <a:solidFill>
+                <a:schemeClr val="tx1"/>
+              </a:solidFill>
+              <a:sym typeface="+mn-ea"/>
+            </a:endParaRPr>
+          </a:p>
+          <a:p>
+            <a:pPr algn="l"/>
+            <a:r>
+              <a:rPr lang="zh-CN" altLang="en-US" sz="1200">
+                <a:solidFill>
+                  <a:schemeClr val="tx1"/>
+                </a:solidFill>
+                <a:sym typeface="+mn-ea"/>
+              </a:rPr>
+              <a:t>        CharSequence proxyInstance = (CharSequence) Proxy.newProxyInstance(String.class.getClassLoader(), new Class[] {CharSequence.class}, handler);</a:t>
+            </a:r>
+            <a:endParaRPr lang="zh-CN" altLang="en-US" sz="1200">
+              <a:solidFill>
+                <a:schemeClr val="tx1"/>
+              </a:solidFill>
+              <a:sym typeface="+mn-ea"/>
+            </a:endParaRPr>
+          </a:p>
+          <a:p>
+            <a:pPr algn="l"/>
+            <a:r>
+              <a:rPr lang="zh-CN" altLang="en-US" sz="1200">
+                <a:solidFill>
+                  <a:schemeClr val="tx1"/>
+                </a:solidFill>
+                <a:sym typeface="+mn-ea"/>
+              </a:rPr>
+              <a:t>        System.out.println(proxyInstance.toString());</a:t>
+            </a:r>
+            <a:endParaRPr lang="zh-CN" altLang="en-US" sz="1200">
+              <a:solidFill>
+                <a:schemeClr val="tx1"/>
+              </a:solidFill>
+              <a:sym typeface="+mn-ea"/>
+            </a:endParaRPr>
+          </a:p>
+          <a:p>
+            <a:pPr algn="l"/>
+            <a:r>
+              <a:rPr lang="zh-CN" altLang="en-US" sz="1200">
+                <a:solidFill>
+                  <a:schemeClr val="tx1"/>
+                </a:solidFill>
+                <a:sym typeface="+mn-ea"/>
+              </a:rPr>
+              <a:t>    } </a:t>
+            </a:r>
+            <a:endParaRPr lang="zh-CN" altLang="en-US" sz="1200">
+              <a:solidFill>
+                <a:schemeClr val="tx1"/>
+              </a:solidFill>
+              <a:sym typeface="+mn-ea"/>
+            </a:endParaRPr>
+          </a:p>
+        </p:txBody>
+      </p:sp>
+      <p:sp>
+        <p:nvSpPr>
+          <p:cNvPr id="8" name="矩形 7"/>
+          <p:cNvSpPr/>
+          <p:nvPr/>
+        </p:nvSpPr>
+        <p:spPr>
+          <a:xfrm>
+            <a:off x="9940925" y="4867910"/>
+            <a:ext cx="1440180" cy="456565"/>
           </a:xfrm>
           <a:prstGeom prst="rect">
             <a:avLst/>
@@ -18114,805 +18617,9 @@
             <a:pPr algn="ctr"/>
             <a:r>
               <a:rPr lang="zh-CN"/>
-              <a:t>模拟考试行为</a:t>
-            </a:r>
-            <a:r>
-              <a:rPr lang="en-US" altLang="zh-CN"/>
-              <a:t>-</a:t>
-            </a:r>
-            <a:r>
-              <a:rPr lang="zh-CN" altLang="en-US"/>
-              <a:t>动态代理改进</a:t>
-            </a:r>
-            <a:endParaRPr lang="zh-CN" altLang="en-US"/>
-          </a:p>
-        </p:txBody>
-      </p:sp>
-      <p:sp>
-        <p:nvSpPr>
-          <p:cNvPr id="2" name="矩形 1"/>
-          <p:cNvSpPr/>
-          <p:nvPr/>
-        </p:nvSpPr>
-        <p:spPr>
-          <a:xfrm>
-            <a:off x="460375" y="4514850"/>
-            <a:ext cx="11051540" cy="2204085"/>
-          </a:xfrm>
-          <a:prstGeom prst="rect">
-            <a:avLst/>
-          </a:prstGeom>
-          <a:solidFill>
-            <a:schemeClr val="bg1"/>
-          </a:solidFill>
-          <a:ln w="28575">
-            <a:solidFill>
-              <a:srgbClr val="F59909"/>
-            </a:solidFill>
-          </a:ln>
-        </p:spPr>
-        <p:style>
-          <a:lnRef idx="2">
-            <a:schemeClr val="accent1">
-              <a:shade val="50000"/>
-            </a:schemeClr>
-          </a:lnRef>
-          <a:fillRef idx="1">
-            <a:schemeClr val="accent1"/>
-          </a:fillRef>
-          <a:effectRef idx="0">
-            <a:schemeClr val="accent1"/>
-          </a:effectRef>
-          <a:fontRef idx="minor">
-            <a:schemeClr val="lt1"/>
-          </a:fontRef>
-        </p:style>
-        <p:txBody>
-          <a:bodyPr rtlCol="0" anchor="ctr"/>
-          <a:p>
-            <a:pPr algn="l"/>
-            <a:r>
-              <a:rPr lang="zh-CN" altLang="en-US" sz="1200">
-                <a:solidFill>
-                  <a:schemeClr val="tx1"/>
-                </a:solidFill>
-                <a:sym typeface="+mn-ea"/>
-              </a:rPr>
-              <a:t>    /**</a:t>
-            </a:r>
-            <a:endParaRPr lang="zh-CN" altLang="en-US" sz="1200">
-              <a:solidFill>
-                <a:schemeClr val="tx1"/>
-              </a:solidFill>
-              <a:sym typeface="+mn-ea"/>
-            </a:endParaRPr>
-          </a:p>
-          <a:p>
-            <a:pPr algn="l"/>
-            <a:r>
-              <a:rPr lang="zh-CN" altLang="en-US" sz="1200">
-                <a:solidFill>
-                  <a:schemeClr val="tx1"/>
-                </a:solidFill>
-                <a:sym typeface="+mn-ea"/>
-              </a:rPr>
-              <a:t>     * 使用切片编程</a:t>
-            </a:r>
-            <a:endParaRPr lang="zh-CN" altLang="en-US" sz="1200">
-              <a:solidFill>
-                <a:schemeClr val="tx1"/>
-              </a:solidFill>
-              <a:sym typeface="+mn-ea"/>
-            </a:endParaRPr>
-          </a:p>
-          <a:p>
-            <a:pPr algn="l"/>
-            <a:r>
-              <a:rPr lang="zh-CN" altLang="en-US" sz="1200">
-                <a:solidFill>
-                  <a:schemeClr val="tx1"/>
-                </a:solidFill>
-                <a:sym typeface="+mn-ea"/>
-              </a:rPr>
-              <a:t>     */</a:t>
-            </a:r>
-            <a:endParaRPr lang="zh-CN" altLang="en-US" sz="1200">
-              <a:solidFill>
-                <a:schemeClr val="tx1"/>
-              </a:solidFill>
-              <a:sym typeface="+mn-ea"/>
-            </a:endParaRPr>
-          </a:p>
-          <a:p>
-            <a:pPr algn="l"/>
-            <a:r>
-              <a:rPr lang="zh-CN" altLang="en-US" sz="1200">
-                <a:solidFill>
-                  <a:schemeClr val="tx1"/>
-                </a:solidFill>
-                <a:sym typeface="+mn-ea"/>
-              </a:rPr>
-              <a:t>    @Test</a:t>
-            </a:r>
-            <a:endParaRPr lang="zh-CN" altLang="en-US" sz="1200">
-              <a:solidFill>
-                <a:schemeClr val="tx1"/>
-              </a:solidFill>
-              <a:sym typeface="+mn-ea"/>
-            </a:endParaRPr>
-          </a:p>
-          <a:p>
-            <a:pPr algn="l"/>
-            <a:r>
-              <a:rPr lang="zh-CN" altLang="en-US" sz="1200">
-                <a:solidFill>
-                  <a:schemeClr val="tx1"/>
-                </a:solidFill>
-                <a:sym typeface="+mn-ea"/>
-              </a:rPr>
-              <a:t>    public void testAop3 () {</a:t>
-            </a:r>
-            <a:endParaRPr lang="zh-CN" altLang="en-US" sz="1200">
-              <a:solidFill>
-                <a:schemeClr val="tx1"/>
-              </a:solidFill>
-              <a:sym typeface="+mn-ea"/>
-            </a:endParaRPr>
-          </a:p>
-          <a:p>
-            <a:pPr algn="l"/>
-            <a:r>
-              <a:rPr lang="zh-CN" altLang="en-US" sz="1200">
-                <a:solidFill>
-                  <a:schemeClr val="tx1"/>
-                </a:solidFill>
-                <a:sym typeface="+mn-ea"/>
-              </a:rPr>
-              <a:t>        KaoShi3 kaoshi = new KaoShi3("zhangsan");</a:t>
-            </a:r>
-            <a:endParaRPr lang="zh-CN" altLang="en-US" sz="1200">
-              <a:solidFill>
-                <a:schemeClr val="tx1"/>
-              </a:solidFill>
-              <a:sym typeface="+mn-ea"/>
-            </a:endParaRPr>
-          </a:p>
-          <a:p>
-            <a:pPr algn="l"/>
-            <a:r>
-              <a:rPr lang="zh-CN" altLang="en-US" sz="1200">
-                <a:solidFill>
-                  <a:schemeClr val="tx1"/>
-                </a:solidFill>
-                <a:sym typeface="+mn-ea"/>
-              </a:rPr>
-              <a:t>        InvocationHandler handler = new LogInterceptor(kaoshi);</a:t>
-            </a:r>
-            <a:endParaRPr lang="zh-CN" altLang="en-US" sz="1200">
-              <a:solidFill>
-                <a:schemeClr val="tx1"/>
-              </a:solidFill>
-              <a:sym typeface="+mn-ea"/>
-            </a:endParaRPr>
-          </a:p>
-          <a:p>
-            <a:pPr algn="l"/>
-            <a:r>
-              <a:rPr lang="zh-CN" altLang="en-US" sz="1200">
-                <a:solidFill>
-                  <a:schemeClr val="tx1"/>
-                </a:solidFill>
-                <a:sym typeface="+mn-ea"/>
-              </a:rPr>
-              <a:t>        KaoshiInterface kaoshiInterface = (KaoshiInterface) Proxy.newProxyInstance(KaoShi2.class.getClassLoader(), new Class[] {KaoshiInterface.class}, handler);</a:t>
-            </a:r>
-            <a:endParaRPr lang="zh-CN" altLang="en-US" sz="1200">
-              <a:solidFill>
-                <a:schemeClr val="tx1"/>
-              </a:solidFill>
-              <a:sym typeface="+mn-ea"/>
-            </a:endParaRPr>
-          </a:p>
-          <a:p>
-            <a:pPr algn="l"/>
-            <a:r>
-              <a:rPr lang="zh-CN" altLang="en-US" sz="1200">
-                <a:solidFill>
-                  <a:schemeClr val="tx1"/>
-                </a:solidFill>
-                <a:sym typeface="+mn-ea"/>
-              </a:rPr>
-              <a:t>        KaoShi3.start(kaoshiInterface);</a:t>
-            </a:r>
-            <a:endParaRPr lang="zh-CN" altLang="en-US" sz="1200">
-              <a:solidFill>
-                <a:schemeClr val="tx1"/>
-              </a:solidFill>
-              <a:sym typeface="+mn-ea"/>
-            </a:endParaRPr>
-          </a:p>
-          <a:p>
-            <a:pPr algn="l"/>
-            <a:r>
-              <a:rPr lang="zh-CN" altLang="en-US" sz="1200">
-                <a:solidFill>
-                  <a:schemeClr val="tx1"/>
-                </a:solidFill>
-                <a:sym typeface="+mn-ea"/>
-              </a:rPr>
-              <a:t>//        KaoShi3.start(kaoshi);</a:t>
-            </a:r>
-            <a:endParaRPr lang="zh-CN" altLang="en-US" sz="1200">
-              <a:solidFill>
-                <a:schemeClr val="tx1"/>
-              </a:solidFill>
-              <a:sym typeface="+mn-ea"/>
-            </a:endParaRPr>
-          </a:p>
-          <a:p>
-            <a:pPr algn="l"/>
-            <a:r>
-              <a:rPr lang="zh-CN" altLang="en-US" sz="1200">
-                <a:solidFill>
-                  <a:schemeClr val="tx1"/>
-                </a:solidFill>
-                <a:sym typeface="+mn-ea"/>
-              </a:rPr>
-              <a:t>    }</a:t>
-            </a:r>
-            <a:endParaRPr lang="zh-CN" altLang="en-US" sz="1200">
-              <a:solidFill>
-                <a:schemeClr val="tx1"/>
-              </a:solidFill>
-              <a:sym typeface="+mn-ea"/>
-            </a:endParaRPr>
-          </a:p>
-        </p:txBody>
-      </p:sp>
-      <p:sp>
-        <p:nvSpPr>
-          <p:cNvPr id="3" name="矩形 2"/>
-          <p:cNvSpPr/>
-          <p:nvPr/>
-        </p:nvSpPr>
-        <p:spPr>
-          <a:xfrm>
-            <a:off x="7235825" y="44450"/>
-            <a:ext cx="4276090" cy="5737225"/>
-          </a:xfrm>
-          <a:prstGeom prst="rect">
-            <a:avLst/>
-          </a:prstGeom>
-          <a:solidFill>
-            <a:schemeClr val="bg1"/>
-          </a:solidFill>
-          <a:ln w="28575">
-            <a:solidFill>
-              <a:srgbClr val="F59909"/>
-            </a:solidFill>
-          </a:ln>
-        </p:spPr>
-        <p:style>
-          <a:lnRef idx="2">
-            <a:schemeClr val="accent1">
-              <a:shade val="50000"/>
-            </a:schemeClr>
-          </a:lnRef>
-          <a:fillRef idx="1">
-            <a:schemeClr val="accent1"/>
-          </a:fillRef>
-          <a:effectRef idx="0">
-            <a:schemeClr val="accent1"/>
-          </a:effectRef>
-          <a:fontRef idx="minor">
-            <a:schemeClr val="lt1"/>
-          </a:fontRef>
-        </p:style>
-        <p:txBody>
-          <a:bodyPr rtlCol="0" anchor="ctr"/>
-          <a:p>
-            <a:pPr algn="l"/>
-            <a:r>
-              <a:rPr lang="zh-CN" altLang="en-US" sz="1200">
-                <a:solidFill>
-                  <a:schemeClr val="tx1"/>
-                </a:solidFill>
-                <a:sym typeface="+mn-ea"/>
-              </a:rPr>
-              <a:t>/**</a:t>
-            </a:r>
-            <a:endParaRPr lang="zh-CN" altLang="en-US" sz="1200">
-              <a:solidFill>
-                <a:schemeClr val="tx1"/>
-              </a:solidFill>
-              <a:sym typeface="+mn-ea"/>
-            </a:endParaRPr>
-          </a:p>
-          <a:p>
-            <a:pPr algn="l"/>
-            <a:r>
-              <a:rPr lang="zh-CN" altLang="en-US" sz="1200">
-                <a:solidFill>
-                  <a:schemeClr val="tx1"/>
-                </a:solidFill>
-                <a:sym typeface="+mn-ea"/>
-              </a:rPr>
-              <a:t> * 模拟考试行为</a:t>
-            </a:r>
-            <a:endParaRPr lang="zh-CN" altLang="en-US" sz="1200">
-              <a:solidFill>
-                <a:schemeClr val="tx1"/>
-              </a:solidFill>
-              <a:sym typeface="+mn-ea"/>
-            </a:endParaRPr>
-          </a:p>
-          <a:p>
-            <a:pPr algn="l"/>
-            <a:r>
-              <a:rPr lang="zh-CN" altLang="en-US" sz="1200">
-                <a:solidFill>
-                  <a:schemeClr val="tx1"/>
-                </a:solidFill>
-                <a:sym typeface="+mn-ea"/>
-              </a:rPr>
-              <a:t> */</a:t>
-            </a:r>
-            <a:endParaRPr lang="zh-CN" altLang="en-US" sz="1200">
-              <a:solidFill>
-                <a:schemeClr val="tx1"/>
-              </a:solidFill>
-              <a:sym typeface="+mn-ea"/>
-            </a:endParaRPr>
-          </a:p>
-          <a:p>
-            <a:pPr algn="l"/>
-            <a:r>
-              <a:rPr lang="zh-CN" altLang="en-US" sz="1200">
-                <a:solidFill>
-                  <a:schemeClr val="tx1"/>
-                </a:solidFill>
-                <a:sym typeface="+mn-ea"/>
-              </a:rPr>
-              <a:t>public class KaoShi3 implements KaoshiInterface {</a:t>
-            </a:r>
-            <a:endParaRPr lang="zh-CN" altLang="en-US" sz="1200">
-              <a:solidFill>
-                <a:schemeClr val="tx1"/>
-              </a:solidFill>
-              <a:sym typeface="+mn-ea"/>
-            </a:endParaRPr>
-          </a:p>
-          <a:p>
-            <a:pPr algn="l"/>
-            <a:endParaRPr lang="zh-CN" altLang="en-US" sz="1200">
-              <a:solidFill>
-                <a:schemeClr val="tx1"/>
-              </a:solidFill>
-              <a:sym typeface="+mn-ea"/>
-            </a:endParaRPr>
-          </a:p>
-          <a:p>
-            <a:pPr algn="l"/>
-            <a:r>
-              <a:rPr lang="zh-CN" altLang="en-US" sz="1200">
-                <a:solidFill>
-                  <a:schemeClr val="tx1"/>
-                </a:solidFill>
-                <a:sym typeface="+mn-ea"/>
-              </a:rPr>
-              <a:t>    private String name;</a:t>
-            </a:r>
-            <a:endParaRPr lang="zh-CN" altLang="en-US" sz="1200">
-              <a:solidFill>
-                <a:schemeClr val="tx1"/>
-              </a:solidFill>
-              <a:sym typeface="+mn-ea"/>
-            </a:endParaRPr>
-          </a:p>
-          <a:p>
-            <a:pPr algn="l"/>
-            <a:endParaRPr lang="zh-CN" altLang="en-US" sz="1200">
-              <a:solidFill>
-                <a:schemeClr val="tx1"/>
-              </a:solidFill>
-              <a:sym typeface="+mn-ea"/>
-            </a:endParaRPr>
-          </a:p>
-          <a:p>
-            <a:pPr algn="l"/>
-            <a:r>
-              <a:rPr lang="zh-CN" altLang="en-US" sz="1200">
-                <a:solidFill>
-                  <a:schemeClr val="tx1"/>
-                </a:solidFill>
-                <a:sym typeface="+mn-ea"/>
-              </a:rPr>
-              <a:t>    public KaoShi3(String name) {</a:t>
-            </a:r>
-            <a:endParaRPr lang="zh-CN" altLang="en-US" sz="1200">
-              <a:solidFill>
-                <a:schemeClr val="tx1"/>
-              </a:solidFill>
-              <a:sym typeface="+mn-ea"/>
-            </a:endParaRPr>
-          </a:p>
-          <a:p>
-            <a:pPr algn="l"/>
-            <a:r>
-              <a:rPr lang="zh-CN" altLang="en-US" sz="1200">
-                <a:solidFill>
-                  <a:schemeClr val="tx1"/>
-                </a:solidFill>
-                <a:sym typeface="+mn-ea"/>
-              </a:rPr>
-              <a:t>        super();</a:t>
-            </a:r>
-            <a:endParaRPr lang="zh-CN" altLang="en-US" sz="1200">
-              <a:solidFill>
-                <a:schemeClr val="tx1"/>
-              </a:solidFill>
-              <a:sym typeface="+mn-ea"/>
-            </a:endParaRPr>
-          </a:p>
-          <a:p>
-            <a:pPr algn="l"/>
-            <a:r>
-              <a:rPr lang="zh-CN" altLang="en-US" sz="1200">
-                <a:solidFill>
-                  <a:schemeClr val="tx1"/>
-                </a:solidFill>
-                <a:sym typeface="+mn-ea"/>
-              </a:rPr>
-              <a:t>        this.name = name;</a:t>
-            </a:r>
-            <a:endParaRPr lang="zh-CN" altLang="en-US" sz="1200">
-              <a:solidFill>
-                <a:schemeClr val="tx1"/>
-              </a:solidFill>
-              <a:sym typeface="+mn-ea"/>
-            </a:endParaRPr>
-          </a:p>
-          <a:p>
-            <a:pPr algn="l"/>
-            <a:r>
-              <a:rPr lang="zh-CN" altLang="en-US" sz="1200">
-                <a:solidFill>
-                  <a:schemeClr val="tx1"/>
-                </a:solidFill>
-                <a:sym typeface="+mn-ea"/>
-              </a:rPr>
-              <a:t>    }</a:t>
-            </a:r>
-            <a:endParaRPr lang="zh-CN" altLang="en-US" sz="1200">
-              <a:solidFill>
-                <a:schemeClr val="tx1"/>
-              </a:solidFill>
-              <a:sym typeface="+mn-ea"/>
-            </a:endParaRPr>
-          </a:p>
-          <a:p>
-            <a:pPr algn="l"/>
-            <a:endParaRPr lang="zh-CN" altLang="en-US" sz="1200">
-              <a:solidFill>
-                <a:schemeClr val="tx1"/>
-              </a:solidFill>
-              <a:sym typeface="+mn-ea"/>
-            </a:endParaRPr>
-          </a:p>
-          <a:p>
-            <a:pPr algn="l"/>
-            <a:r>
-              <a:rPr lang="zh-CN" altLang="en-US" sz="1200">
-                <a:solidFill>
-                  <a:schemeClr val="tx1"/>
-                </a:solidFill>
-                <a:sym typeface="+mn-ea"/>
-              </a:rPr>
-              <a:t>    public void giveTestPaper() {</a:t>
-            </a:r>
-            <a:endParaRPr lang="zh-CN" altLang="en-US" sz="1200">
-              <a:solidFill>
-                <a:schemeClr val="tx1"/>
-              </a:solidFill>
-              <a:sym typeface="+mn-ea"/>
-            </a:endParaRPr>
-          </a:p>
-          <a:p>
-            <a:pPr algn="l"/>
-            <a:r>
-              <a:rPr lang="zh-CN" altLang="en-US" sz="1200">
-                <a:solidFill>
-                  <a:schemeClr val="tx1"/>
-                </a:solidFill>
-                <a:sym typeface="+mn-ea"/>
-              </a:rPr>
-              <a:t>        System.out.println("发试卷啦~");</a:t>
-            </a:r>
-            <a:endParaRPr lang="zh-CN" altLang="en-US" sz="1200">
-              <a:solidFill>
-                <a:schemeClr val="tx1"/>
-              </a:solidFill>
-              <a:sym typeface="+mn-ea"/>
-            </a:endParaRPr>
-          </a:p>
-          <a:p>
-            <a:pPr algn="l"/>
-            <a:r>
-              <a:rPr lang="zh-CN" altLang="en-US" sz="1200">
-                <a:solidFill>
-                  <a:schemeClr val="tx1"/>
-                </a:solidFill>
-                <a:sym typeface="+mn-ea"/>
-              </a:rPr>
-              <a:t>    }</a:t>
-            </a:r>
-            <a:endParaRPr lang="zh-CN" altLang="en-US" sz="1200">
-              <a:solidFill>
-                <a:schemeClr val="tx1"/>
-              </a:solidFill>
-              <a:sym typeface="+mn-ea"/>
-            </a:endParaRPr>
-          </a:p>
-          <a:p>
-            <a:pPr algn="l"/>
-            <a:endParaRPr lang="zh-CN" altLang="en-US" sz="1200">
-              <a:solidFill>
-                <a:schemeClr val="tx1"/>
-              </a:solidFill>
-              <a:sym typeface="+mn-ea"/>
-            </a:endParaRPr>
-          </a:p>
-          <a:p>
-            <a:pPr algn="l"/>
-            <a:r>
-              <a:rPr lang="zh-CN" altLang="en-US" sz="1200">
-                <a:solidFill>
-                  <a:schemeClr val="tx1"/>
-                </a:solidFill>
-                <a:sym typeface="+mn-ea"/>
-              </a:rPr>
-              <a:t>    public void writeTestPaper() {</a:t>
-            </a:r>
-            <a:endParaRPr lang="zh-CN" altLang="en-US" sz="1200">
-              <a:solidFill>
-                <a:schemeClr val="tx1"/>
-              </a:solidFill>
-              <a:sym typeface="+mn-ea"/>
-            </a:endParaRPr>
-          </a:p>
-          <a:p>
-            <a:pPr algn="l"/>
-            <a:r>
-              <a:rPr lang="zh-CN" altLang="en-US" sz="1200">
-                <a:solidFill>
-                  <a:schemeClr val="tx1"/>
-                </a:solidFill>
-                <a:sym typeface="+mn-ea"/>
-              </a:rPr>
-              <a:t>        System.out.println("写试卷啦~");</a:t>
-            </a:r>
-            <a:endParaRPr lang="zh-CN" altLang="en-US" sz="1200">
-              <a:solidFill>
-                <a:schemeClr val="tx1"/>
-              </a:solidFill>
-              <a:sym typeface="+mn-ea"/>
-            </a:endParaRPr>
-          </a:p>
-          <a:p>
-            <a:pPr algn="l"/>
-            <a:r>
-              <a:rPr lang="zh-CN" altLang="en-US" sz="1200">
-                <a:solidFill>
-                  <a:schemeClr val="tx1"/>
-                </a:solidFill>
-                <a:sym typeface="+mn-ea"/>
-              </a:rPr>
-              <a:t>    }</a:t>
-            </a:r>
-            <a:endParaRPr lang="zh-CN" altLang="en-US" sz="1200">
-              <a:solidFill>
-                <a:schemeClr val="tx1"/>
-              </a:solidFill>
-              <a:sym typeface="+mn-ea"/>
-            </a:endParaRPr>
-          </a:p>
-          <a:p>
-            <a:pPr algn="l"/>
-            <a:endParaRPr lang="zh-CN" altLang="en-US" sz="1200">
-              <a:solidFill>
-                <a:schemeClr val="tx1"/>
-              </a:solidFill>
-              <a:sym typeface="+mn-ea"/>
-            </a:endParaRPr>
-          </a:p>
-          <a:p>
-            <a:pPr algn="l"/>
-            <a:r>
-              <a:rPr lang="zh-CN" altLang="en-US" sz="1200">
-                <a:solidFill>
-                  <a:schemeClr val="tx1"/>
-                </a:solidFill>
-                <a:sym typeface="+mn-ea"/>
-              </a:rPr>
-              <a:t>    public void submitTestPaper() {</a:t>
-            </a:r>
-            <a:endParaRPr lang="zh-CN" altLang="en-US" sz="1200">
-              <a:solidFill>
-                <a:schemeClr val="tx1"/>
-              </a:solidFill>
-              <a:sym typeface="+mn-ea"/>
-            </a:endParaRPr>
-          </a:p>
-          <a:p>
-            <a:pPr algn="l"/>
-            <a:r>
-              <a:rPr lang="zh-CN" altLang="en-US" sz="1200">
-                <a:solidFill>
-                  <a:schemeClr val="tx1"/>
-                </a:solidFill>
-                <a:sym typeface="+mn-ea"/>
-              </a:rPr>
-              <a:t>        System.out.println("收试卷啦~");</a:t>
-            </a:r>
-            <a:endParaRPr lang="zh-CN" altLang="en-US" sz="1200">
-              <a:solidFill>
-                <a:schemeClr val="tx1"/>
-              </a:solidFill>
-              <a:sym typeface="+mn-ea"/>
-            </a:endParaRPr>
-          </a:p>
-          <a:p>
-            <a:pPr algn="l"/>
-            <a:r>
-              <a:rPr lang="zh-CN" altLang="en-US" sz="1200">
-                <a:solidFill>
-                  <a:schemeClr val="tx1"/>
-                </a:solidFill>
-                <a:sym typeface="+mn-ea"/>
-              </a:rPr>
-              <a:t>    }</a:t>
-            </a:r>
-            <a:endParaRPr lang="zh-CN" altLang="en-US" sz="1200">
-              <a:solidFill>
-                <a:schemeClr val="tx1"/>
-              </a:solidFill>
-              <a:sym typeface="+mn-ea"/>
-            </a:endParaRPr>
-          </a:p>
-          <a:p>
-            <a:pPr algn="l"/>
-            <a:endParaRPr lang="zh-CN" altLang="en-US" sz="1200">
-              <a:solidFill>
-                <a:schemeClr val="tx1"/>
-              </a:solidFill>
-              <a:sym typeface="+mn-ea"/>
-            </a:endParaRPr>
-          </a:p>
-          <a:p>
-            <a:pPr algn="l"/>
-            <a:r>
-              <a:rPr lang="zh-CN" altLang="en-US" sz="1200">
-                <a:solidFill>
-                  <a:schemeClr val="tx1"/>
-                </a:solidFill>
-                <a:sym typeface="+mn-ea"/>
-              </a:rPr>
-              <a:t>    public static void start(KaoshiInterface kaoshi) {</a:t>
-            </a:r>
-            <a:endParaRPr lang="zh-CN" altLang="en-US" sz="1200">
-              <a:solidFill>
-                <a:schemeClr val="tx1"/>
-              </a:solidFill>
-              <a:sym typeface="+mn-ea"/>
-            </a:endParaRPr>
-          </a:p>
-          <a:p>
-            <a:pPr algn="l"/>
-            <a:r>
-              <a:rPr lang="zh-CN" altLang="en-US" sz="1200">
-                <a:solidFill>
-                  <a:schemeClr val="tx1"/>
-                </a:solidFill>
-                <a:sym typeface="+mn-ea"/>
-              </a:rPr>
-              <a:t>        // 使用动态代理类,而不是代理前的类</a:t>
-            </a:r>
-            <a:endParaRPr lang="zh-CN" altLang="en-US" sz="1200">
-              <a:solidFill>
-                <a:schemeClr val="tx1"/>
-              </a:solidFill>
-              <a:sym typeface="+mn-ea"/>
-            </a:endParaRPr>
-          </a:p>
-          <a:p>
-            <a:pPr algn="l"/>
-            <a:r>
-              <a:rPr lang="zh-CN" altLang="en-US" sz="1200">
-                <a:solidFill>
-                  <a:schemeClr val="tx1"/>
-                </a:solidFill>
-                <a:sym typeface="+mn-ea"/>
-              </a:rPr>
-              <a:t>        kaoshi.giveTestPaper();</a:t>
-            </a:r>
-            <a:endParaRPr lang="zh-CN" altLang="en-US" sz="1200">
-              <a:solidFill>
-                <a:schemeClr val="tx1"/>
-              </a:solidFill>
-              <a:sym typeface="+mn-ea"/>
-            </a:endParaRPr>
-          </a:p>
-          <a:p>
-            <a:pPr algn="l"/>
-            <a:r>
-              <a:rPr lang="zh-CN" altLang="en-US" sz="1200">
-                <a:solidFill>
-                  <a:schemeClr val="tx1"/>
-                </a:solidFill>
-                <a:sym typeface="+mn-ea"/>
-              </a:rPr>
-              <a:t>        kaoshi.writeTestPaper();</a:t>
-            </a:r>
-            <a:endParaRPr lang="zh-CN" altLang="en-US" sz="1200">
-              <a:solidFill>
-                <a:schemeClr val="tx1"/>
-              </a:solidFill>
-              <a:sym typeface="+mn-ea"/>
-            </a:endParaRPr>
-          </a:p>
-          <a:p>
-            <a:pPr algn="l"/>
-            <a:r>
-              <a:rPr lang="zh-CN" altLang="en-US" sz="1200">
-                <a:solidFill>
-                  <a:schemeClr val="tx1"/>
-                </a:solidFill>
-                <a:sym typeface="+mn-ea"/>
-              </a:rPr>
-              <a:t>        kaoshi.submitTestPaper();</a:t>
-            </a:r>
-            <a:endParaRPr lang="zh-CN" altLang="en-US" sz="1200">
-              <a:solidFill>
-                <a:schemeClr val="tx1"/>
-              </a:solidFill>
-              <a:sym typeface="+mn-ea"/>
-            </a:endParaRPr>
-          </a:p>
-          <a:p>
-            <a:pPr algn="l"/>
-            <a:r>
-              <a:rPr lang="zh-CN" altLang="en-US" sz="1200">
-                <a:solidFill>
-                  <a:schemeClr val="tx1"/>
-                </a:solidFill>
-                <a:sym typeface="+mn-ea"/>
-              </a:rPr>
-              <a:t>    }</a:t>
-            </a:r>
-            <a:endParaRPr lang="zh-CN" altLang="en-US" sz="1200">
-              <a:solidFill>
-                <a:schemeClr val="tx1"/>
-              </a:solidFill>
-              <a:sym typeface="+mn-ea"/>
-            </a:endParaRPr>
-          </a:p>
-          <a:p>
-            <a:pPr algn="l"/>
-            <a:r>
-              <a:rPr lang="zh-CN" altLang="en-US" sz="1200">
-                <a:solidFill>
-                  <a:schemeClr val="tx1"/>
-                </a:solidFill>
-                <a:sym typeface="+mn-ea"/>
-              </a:rPr>
-              <a:t>}</a:t>
-            </a:r>
-            <a:endParaRPr lang="zh-CN" altLang="en-US" sz="1200">
-              <a:solidFill>
-                <a:schemeClr val="tx1"/>
-              </a:solidFill>
-              <a:sym typeface="+mn-ea"/>
-            </a:endParaRPr>
+              <a:t>复用</a:t>
+            </a:r>
+            <a:endParaRPr lang="zh-CN"/>
           </a:p>
         </p:txBody>
       </p:sp>
@@ -18950,26 +18657,33 @@
       <p:grpSpPr/>
       <p:sp>
         <p:nvSpPr>
-          <p:cNvPr id="4" name="矩形 3"/>
+          <p:cNvPr id="5" name="流程图: 过程 4"/>
           <p:cNvSpPr/>
           <p:nvPr/>
         </p:nvSpPr>
         <p:spPr>
           <a:xfrm>
-            <a:off x="360045" y="925195"/>
-            <a:ext cx="11134090" cy="1539875"/>
+            <a:off x="2735580" y="716915"/>
+            <a:ext cx="4021455" cy="1153795"/>
           </a:xfrm>
-          <a:prstGeom prst="rect">
+          <a:prstGeom prst="flowChartProcess">
             <a:avLst/>
           </a:prstGeom>
-          <a:solidFill>
-            <a:schemeClr val="bg1"/>
-          </a:solidFill>
-          <a:ln w="28575">
+          <a:noFill/>
+          <a:ln w="38100">
             <a:solidFill>
-              <a:srgbClr val="F59909"/>
+              <a:srgbClr val="FFC000"/>
             </a:solidFill>
           </a:ln>
+          <a:extLst>
+            <a:ext uri="{909E8E84-426E-40DD-AFC4-6F175D3DCCD1}">
+              <a14:hiddenFill xmlns:a14="http://schemas.microsoft.com/office/drawing/2010/main">
+                <a:solidFill>
+                  <a:schemeClr val="accent2"/>
+                </a:solidFill>
+              </a14:hiddenFill>
+            </a:ext>
+          </a:extLst>
         </p:spPr>
         <p:style>
           <a:lnRef idx="2">
@@ -18990,155 +18704,40 @@
         <p:txBody>
           <a:bodyPr rtlCol="0" anchor="ctr"/>
           <a:p>
-            <a:pPr algn="l"/>
-            <a:r>
-              <a:rPr lang="zh-CN" altLang="en-US" sz="1200">
-                <a:solidFill>
-                  <a:schemeClr val="tx1"/>
-                </a:solidFill>
-                <a:sym typeface="+mn-ea"/>
-              </a:rPr>
-              <a:t>    @Test</a:t>
-            </a:r>
-            <a:endParaRPr lang="zh-CN" altLang="en-US" sz="1200">
-              <a:solidFill>
-                <a:schemeClr val="tx1"/>
-              </a:solidFill>
-              <a:sym typeface="+mn-ea"/>
-            </a:endParaRPr>
-          </a:p>
-          <a:p>
-            <a:pPr algn="l"/>
-            <a:r>
-              <a:rPr lang="zh-CN" altLang="en-US" sz="1200">
-                <a:solidFill>
-                  <a:schemeClr val="tx1"/>
-                </a:solidFill>
-                <a:sym typeface="+mn-ea"/>
-              </a:rPr>
-              <a:t>    public void testAop4 () {</a:t>
-            </a:r>
-            <a:endParaRPr lang="zh-CN" altLang="en-US" sz="1200">
-              <a:solidFill>
-                <a:schemeClr val="tx1"/>
-              </a:solidFill>
-              <a:sym typeface="+mn-ea"/>
-            </a:endParaRPr>
-          </a:p>
-          <a:p>
-            <a:pPr algn="l"/>
-            <a:r>
-              <a:rPr lang="zh-CN" altLang="en-US" sz="1200">
-                <a:solidFill>
-                  <a:schemeClr val="tx1"/>
-                </a:solidFill>
-                <a:sym typeface="+mn-ea"/>
-              </a:rPr>
-              <a:t>        String str = new String("helloworld");</a:t>
-            </a:r>
-            <a:endParaRPr lang="zh-CN" altLang="en-US" sz="1200">
-              <a:solidFill>
-                <a:schemeClr val="tx1"/>
-              </a:solidFill>
-              <a:sym typeface="+mn-ea"/>
-            </a:endParaRPr>
-          </a:p>
-          <a:p>
-            <a:pPr algn="l"/>
-            <a:r>
-              <a:rPr lang="zh-CN" altLang="en-US" sz="1200">
-                <a:solidFill>
-                  <a:schemeClr val="tx1"/>
-                </a:solidFill>
-                <a:sym typeface="+mn-ea"/>
-              </a:rPr>
-              <a:t>        InvocationHandler handler = new LogInterceptor(str);</a:t>
-            </a:r>
-            <a:endParaRPr lang="zh-CN" altLang="en-US" sz="1200">
-              <a:solidFill>
-                <a:schemeClr val="tx1"/>
-              </a:solidFill>
-              <a:sym typeface="+mn-ea"/>
-            </a:endParaRPr>
-          </a:p>
-          <a:p>
-            <a:pPr algn="l"/>
-            <a:r>
-              <a:rPr lang="zh-CN" altLang="en-US" sz="1200">
-                <a:solidFill>
-                  <a:schemeClr val="tx1"/>
-                </a:solidFill>
-                <a:sym typeface="+mn-ea"/>
-              </a:rPr>
-              <a:t>        CharSequence proxyInstance = (CharSequence) Proxy.newProxyInstance(KaoShi2.class.getClassLoader(), new Class[] {CharSequence.class}, handler);</a:t>
-            </a:r>
-            <a:endParaRPr lang="zh-CN" altLang="en-US" sz="1200">
-              <a:solidFill>
-                <a:schemeClr val="tx1"/>
-              </a:solidFill>
-              <a:sym typeface="+mn-ea"/>
-            </a:endParaRPr>
-          </a:p>
-          <a:p>
-            <a:pPr algn="l"/>
-            <a:r>
-              <a:rPr lang="zh-CN" altLang="en-US" sz="1200">
-                <a:solidFill>
-                  <a:schemeClr val="tx1"/>
-                </a:solidFill>
-                <a:sym typeface="+mn-ea"/>
-              </a:rPr>
-              <a:t>        System.out.println(proxyInstance.toString());</a:t>
-            </a:r>
-            <a:endParaRPr lang="zh-CN" altLang="en-US" sz="1200">
-              <a:solidFill>
-                <a:schemeClr val="tx1"/>
-              </a:solidFill>
-              <a:sym typeface="+mn-ea"/>
-            </a:endParaRPr>
-          </a:p>
-          <a:p>
-            <a:pPr algn="l"/>
-            <a:r>
-              <a:rPr lang="zh-CN" altLang="en-US" sz="1200">
-                <a:solidFill>
-                  <a:schemeClr val="tx1"/>
-                </a:solidFill>
-                <a:sym typeface="+mn-ea"/>
-              </a:rPr>
-              <a:t>    } </a:t>
-            </a:r>
-            <a:endParaRPr lang="zh-CN" altLang="en-US" sz="1200">
-              <a:solidFill>
-                <a:schemeClr val="tx1"/>
-              </a:solidFill>
-              <a:sym typeface="+mn-ea"/>
-            </a:endParaRPr>
+            <a:pPr algn="ctr"/>
+            <a:endParaRPr lang="zh-CN" altLang="en-US"/>
           </a:p>
         </p:txBody>
       </p:sp>
       <p:sp>
         <p:nvSpPr>
-          <p:cNvPr id="6" name="矩形 5"/>
+          <p:cNvPr id="6" name="流程图: 过程 5"/>
           <p:cNvSpPr/>
           <p:nvPr/>
         </p:nvSpPr>
         <p:spPr>
           <a:xfrm>
-            <a:off x="9940290" y="1040765"/>
-            <a:ext cx="1421765" cy="456565"/>
+            <a:off x="266700" y="2498725"/>
+            <a:ext cx="4021455" cy="1153795"/>
           </a:xfrm>
-          <a:prstGeom prst="rect">
+          <a:prstGeom prst="flowChartProcess">
             <a:avLst/>
           </a:prstGeom>
-          <a:solidFill>
-            <a:srgbClr val="F59909"/>
-          </a:solidFill>
-          <a:ln>
+          <a:noFill/>
+          <a:ln w="38100">
             <a:solidFill>
-              <a:schemeClr val="bg1"/>
+              <a:srgbClr val="FFC000"/>
             </a:solidFill>
           </a:ln>
+          <a:extLst>
+            <a:ext uri="{909E8E84-426E-40DD-AFC4-6F175D3DCCD1}">
+              <a14:hiddenFill xmlns:a14="http://schemas.microsoft.com/office/drawing/2010/main">
+                <a:solidFill>
+                  <a:schemeClr val="accent2"/>
+                </a:solidFill>
+              </a14:hiddenFill>
+            </a:ext>
+          </a:extLst>
         </p:spPr>
         <p:style>
           <a:lnRef idx="2">
@@ -19160,17 +18759,960 @@
           <a:bodyPr rtlCol="0" anchor="ctr"/>
           <a:p>
             <a:pPr algn="ctr"/>
-            <a:r>
-              <a:rPr lang="zh-CN"/>
-              <a:t>复用</a:t>
-            </a:r>
-            <a:endParaRPr lang="zh-CN"/>
+            <a:endParaRPr lang="zh-CN" altLang="en-US"/>
           </a:p>
         </p:txBody>
       </p:sp>
+      <p:sp>
+        <p:nvSpPr>
+          <p:cNvPr id="7" name="流程图: 过程 6"/>
+          <p:cNvSpPr/>
+          <p:nvPr/>
+        </p:nvSpPr>
+        <p:spPr>
+          <a:xfrm>
+            <a:off x="5511800" y="2498725"/>
+            <a:ext cx="6002020" cy="2586990"/>
+          </a:xfrm>
+          <a:prstGeom prst="flowChartProcess">
+            <a:avLst/>
+          </a:prstGeom>
+          <a:noFill/>
+          <a:ln w="38100">
+            <a:solidFill>
+              <a:srgbClr val="FFC000"/>
+            </a:solidFill>
+          </a:ln>
+          <a:extLst>
+            <a:ext uri="{909E8E84-426E-40DD-AFC4-6F175D3DCCD1}">
+              <a14:hiddenFill xmlns:a14="http://schemas.microsoft.com/office/drawing/2010/main">
+                <a:solidFill>
+                  <a:schemeClr val="accent2"/>
+                </a:solidFill>
+              </a14:hiddenFill>
+            </a:ext>
+          </a:extLst>
+        </p:spPr>
+        <p:style>
+          <a:lnRef idx="2">
+            <a:schemeClr val="accent1">
+              <a:shade val="50000"/>
+            </a:schemeClr>
+          </a:lnRef>
+          <a:fillRef idx="1">
+            <a:schemeClr val="accent1"/>
+          </a:fillRef>
+          <a:effectRef idx="0">
+            <a:schemeClr val="accent1"/>
+          </a:effectRef>
+          <a:fontRef idx="minor">
+            <a:schemeClr val="lt1"/>
+          </a:fontRef>
+        </p:style>
+        <p:txBody>
+          <a:bodyPr rtlCol="0" anchor="ctr"/>
+          <a:p>
+            <a:pPr algn="ctr"/>
+            <a:endParaRPr lang="zh-CN" altLang="en-US"/>
+          </a:p>
+        </p:txBody>
+      </p:sp>
+      <p:sp>
+        <p:nvSpPr>
+          <p:cNvPr id="8" name="文本框 7"/>
+          <p:cNvSpPr txBox="1"/>
+          <p:nvPr/>
+        </p:nvSpPr>
+        <p:spPr>
+          <a:xfrm>
+            <a:off x="2795270" y="786130"/>
+            <a:ext cx="1304290" cy="368300"/>
+          </a:xfrm>
+          <a:prstGeom prst="rect">
+            <a:avLst/>
+          </a:prstGeom>
+          <a:noFill/>
+        </p:spPr>
+        <p:txBody>
+          <a:bodyPr wrap="square" rtlCol="0">
+            <a:spAutoFit/>
+          </a:bodyPr>
+          <a:p>
+            <a:r>
+              <a:rPr lang="zh-CN" altLang="en-US" b="1">
+                <a:solidFill>
+                  <a:schemeClr val="accent1"/>
+                </a:solidFill>
+              </a:rPr>
+              <a:t>接口</a:t>
+            </a:r>
+            <a:endParaRPr lang="zh-CN" altLang="en-US" b="1">
+              <a:solidFill>
+                <a:schemeClr val="accent1"/>
+              </a:solidFill>
+            </a:endParaRPr>
+          </a:p>
+        </p:txBody>
+      </p:sp>
+      <p:sp>
+        <p:nvSpPr>
+          <p:cNvPr id="9" name="文本框 8"/>
+          <p:cNvSpPr txBox="1"/>
+          <p:nvPr/>
+        </p:nvSpPr>
+        <p:spPr>
+          <a:xfrm>
+            <a:off x="386715" y="2597785"/>
+            <a:ext cx="1094740" cy="368300"/>
+          </a:xfrm>
+          <a:prstGeom prst="rect">
+            <a:avLst/>
+          </a:prstGeom>
+          <a:noFill/>
+        </p:spPr>
+        <p:txBody>
+          <a:bodyPr wrap="square" rtlCol="0">
+            <a:spAutoFit/>
+          </a:bodyPr>
+          <a:p>
+            <a:r>
+              <a:rPr lang="zh-CN" altLang="en-US" b="1">
+                <a:solidFill>
+                  <a:schemeClr val="accent1"/>
+                </a:solidFill>
+              </a:rPr>
+              <a:t>实现类</a:t>
+            </a:r>
+            <a:r>
+              <a:rPr lang="en-US" altLang="zh-CN" b="1">
+                <a:solidFill>
+                  <a:schemeClr val="accent1"/>
+                </a:solidFill>
+              </a:rPr>
+              <a:t>1</a:t>
+            </a:r>
+            <a:endParaRPr lang="en-US" altLang="zh-CN" b="1">
+              <a:solidFill>
+                <a:schemeClr val="accent1"/>
+              </a:solidFill>
+            </a:endParaRPr>
+          </a:p>
+        </p:txBody>
+      </p:sp>
+      <p:sp>
+        <p:nvSpPr>
+          <p:cNvPr id="10" name="文本框 9"/>
+          <p:cNvSpPr txBox="1"/>
+          <p:nvPr/>
+        </p:nvSpPr>
+        <p:spPr>
+          <a:xfrm>
+            <a:off x="5662295" y="2617470"/>
+            <a:ext cx="3712210" cy="368300"/>
+          </a:xfrm>
+          <a:prstGeom prst="rect">
+            <a:avLst/>
+          </a:prstGeom>
+          <a:noFill/>
+        </p:spPr>
+        <p:txBody>
+          <a:bodyPr wrap="square" rtlCol="0">
+            <a:spAutoFit/>
+          </a:bodyPr>
+          <a:p>
+            <a:r>
+              <a:rPr lang="zh-CN" altLang="en-US" b="1">
+                <a:solidFill>
+                  <a:schemeClr val="accent1"/>
+                </a:solidFill>
+              </a:rPr>
+              <a:t>实现类</a:t>
+            </a:r>
+            <a:r>
+              <a:rPr lang="en-US" altLang="zh-CN" b="1">
+                <a:solidFill>
+                  <a:schemeClr val="accent1"/>
+                </a:solidFill>
+              </a:rPr>
+              <a:t>2 = </a:t>
+            </a:r>
+            <a:r>
+              <a:rPr lang="zh-CN" altLang="en-US" b="1">
+                <a:solidFill>
+                  <a:schemeClr val="accent1"/>
+                </a:solidFill>
+              </a:rPr>
+              <a:t>实现类</a:t>
+            </a:r>
+            <a:r>
+              <a:rPr lang="en-US" altLang="zh-CN" b="1">
+                <a:solidFill>
+                  <a:schemeClr val="accent1"/>
+                </a:solidFill>
+              </a:rPr>
+              <a:t>1</a:t>
+            </a:r>
+            <a:r>
+              <a:rPr lang="en-US" altLang="zh-CN" b="1">
+                <a:solidFill>
+                  <a:schemeClr val="accent1"/>
+                </a:solidFill>
+              </a:rPr>
+              <a:t>$</a:t>
+            </a:r>
+            <a:r>
+              <a:rPr lang="zh-CN" altLang="en-US" b="1">
+                <a:solidFill>
+                  <a:schemeClr val="accent1"/>
+                </a:solidFill>
+              </a:rPr>
+              <a:t>代理类</a:t>
+            </a:r>
+            <a:endParaRPr lang="zh-CN" altLang="en-US" b="1">
+              <a:solidFill>
+                <a:schemeClr val="accent1"/>
+              </a:solidFill>
+            </a:endParaRPr>
+          </a:p>
+        </p:txBody>
+      </p:sp>
+      <p:sp>
+        <p:nvSpPr>
+          <p:cNvPr id="11" name="文本框 10"/>
+          <p:cNvSpPr txBox="1"/>
+          <p:nvPr/>
+        </p:nvSpPr>
+        <p:spPr>
+          <a:xfrm>
+            <a:off x="4098925" y="866140"/>
+            <a:ext cx="2160270" cy="368300"/>
+          </a:xfrm>
+          <a:prstGeom prst="rect">
+            <a:avLst/>
+          </a:prstGeom>
+          <a:noFill/>
+        </p:spPr>
+        <p:txBody>
+          <a:bodyPr wrap="square" rtlCol="0">
+            <a:spAutoFit/>
+          </a:bodyPr>
+          <a:p>
+            <a:r>
+              <a:rPr lang="en-US" altLang="zh-CN" b="1">
+                <a:solidFill>
+                  <a:schemeClr val="accent1"/>
+                </a:solidFill>
+              </a:rPr>
+              <a:t>methodA</a:t>
+            </a:r>
+            <a:endParaRPr lang="en-US" altLang="zh-CN" b="1">
+              <a:solidFill>
+                <a:schemeClr val="accent1"/>
+              </a:solidFill>
+            </a:endParaRPr>
+          </a:p>
+        </p:txBody>
+      </p:sp>
+      <p:sp>
+        <p:nvSpPr>
+          <p:cNvPr id="12" name="文本框 11"/>
+          <p:cNvSpPr txBox="1"/>
+          <p:nvPr/>
+        </p:nvSpPr>
+        <p:spPr>
+          <a:xfrm>
+            <a:off x="4098925" y="1154430"/>
+            <a:ext cx="2160270" cy="368300"/>
+          </a:xfrm>
+          <a:prstGeom prst="rect">
+            <a:avLst/>
+          </a:prstGeom>
+          <a:noFill/>
+        </p:spPr>
+        <p:txBody>
+          <a:bodyPr wrap="square" rtlCol="0">
+            <a:spAutoFit/>
+          </a:bodyPr>
+          <a:p>
+            <a:r>
+              <a:rPr lang="en-US" altLang="zh-CN" b="1">
+                <a:solidFill>
+                  <a:schemeClr val="accent1"/>
+                </a:solidFill>
+              </a:rPr>
+              <a:t>methodB</a:t>
+            </a:r>
+            <a:endParaRPr lang="en-US" altLang="zh-CN" b="1">
+              <a:solidFill>
+                <a:schemeClr val="accent1"/>
+              </a:solidFill>
+            </a:endParaRPr>
+          </a:p>
+        </p:txBody>
+      </p:sp>
+      <p:sp>
+        <p:nvSpPr>
+          <p:cNvPr id="13" name="文本框 12"/>
+          <p:cNvSpPr txBox="1"/>
+          <p:nvPr/>
+        </p:nvSpPr>
+        <p:spPr>
+          <a:xfrm>
+            <a:off x="4098925" y="1426210"/>
+            <a:ext cx="2160270" cy="368300"/>
+          </a:xfrm>
+          <a:prstGeom prst="rect">
+            <a:avLst/>
+          </a:prstGeom>
+          <a:noFill/>
+        </p:spPr>
+        <p:txBody>
+          <a:bodyPr wrap="square" rtlCol="0">
+            <a:spAutoFit/>
+          </a:bodyPr>
+          <a:p>
+            <a:r>
+              <a:rPr lang="en-US" altLang="zh-CN" b="1">
+                <a:solidFill>
+                  <a:schemeClr val="accent1"/>
+                </a:solidFill>
+              </a:rPr>
+              <a:t>methodC</a:t>
+            </a:r>
+            <a:endParaRPr lang="en-US" altLang="zh-CN" b="1">
+              <a:solidFill>
+                <a:schemeClr val="accent1"/>
+              </a:solidFill>
+            </a:endParaRPr>
+          </a:p>
+        </p:txBody>
+      </p:sp>
+      <p:sp>
+        <p:nvSpPr>
+          <p:cNvPr id="14" name="文本框 13"/>
+          <p:cNvSpPr txBox="1"/>
+          <p:nvPr/>
+        </p:nvSpPr>
+        <p:spPr>
+          <a:xfrm>
+            <a:off x="1757680" y="2607310"/>
+            <a:ext cx="2160270" cy="368300"/>
+          </a:xfrm>
+          <a:prstGeom prst="rect">
+            <a:avLst/>
+          </a:prstGeom>
+          <a:noFill/>
+        </p:spPr>
+        <p:txBody>
+          <a:bodyPr wrap="square" rtlCol="0">
+            <a:spAutoFit/>
+          </a:bodyPr>
+          <a:p>
+            <a:r>
+              <a:rPr lang="en-US" altLang="zh-CN" b="1">
+                <a:solidFill>
+                  <a:schemeClr val="accent1"/>
+                </a:solidFill>
+              </a:rPr>
+              <a:t>methodA</a:t>
+            </a:r>
+            <a:endParaRPr lang="en-US" altLang="zh-CN" b="1">
+              <a:solidFill>
+                <a:schemeClr val="accent1"/>
+              </a:solidFill>
+            </a:endParaRPr>
+          </a:p>
+        </p:txBody>
+      </p:sp>
+      <p:sp>
+        <p:nvSpPr>
+          <p:cNvPr id="15" name="文本框 14"/>
+          <p:cNvSpPr txBox="1"/>
+          <p:nvPr/>
+        </p:nvSpPr>
+        <p:spPr>
+          <a:xfrm>
+            <a:off x="1757680" y="2895600"/>
+            <a:ext cx="2160270" cy="368300"/>
+          </a:xfrm>
+          <a:prstGeom prst="rect">
+            <a:avLst/>
+          </a:prstGeom>
+          <a:noFill/>
+        </p:spPr>
+        <p:txBody>
+          <a:bodyPr wrap="square" rtlCol="0">
+            <a:spAutoFit/>
+          </a:bodyPr>
+          <a:p>
+            <a:r>
+              <a:rPr lang="en-US" altLang="zh-CN" b="1">
+                <a:solidFill>
+                  <a:schemeClr val="accent1"/>
+                </a:solidFill>
+              </a:rPr>
+              <a:t>methodB</a:t>
+            </a:r>
+            <a:endParaRPr lang="en-US" altLang="zh-CN" b="1">
+              <a:solidFill>
+                <a:schemeClr val="accent1"/>
+              </a:solidFill>
+            </a:endParaRPr>
+          </a:p>
+        </p:txBody>
+      </p:sp>
+      <p:sp>
+        <p:nvSpPr>
+          <p:cNvPr id="16" name="文本框 15"/>
+          <p:cNvSpPr txBox="1"/>
+          <p:nvPr/>
+        </p:nvSpPr>
+        <p:spPr>
+          <a:xfrm>
+            <a:off x="1757680" y="3167380"/>
+            <a:ext cx="2160270" cy="368300"/>
+          </a:xfrm>
+          <a:prstGeom prst="rect">
+            <a:avLst/>
+          </a:prstGeom>
+          <a:noFill/>
+        </p:spPr>
+        <p:txBody>
+          <a:bodyPr wrap="square" rtlCol="0">
+            <a:spAutoFit/>
+          </a:bodyPr>
+          <a:p>
+            <a:r>
+              <a:rPr lang="en-US" altLang="zh-CN" b="1">
+                <a:solidFill>
+                  <a:schemeClr val="accent1"/>
+                </a:solidFill>
+              </a:rPr>
+              <a:t>methodC</a:t>
+            </a:r>
+            <a:endParaRPr lang="en-US" altLang="zh-CN" b="1">
+              <a:solidFill>
+                <a:schemeClr val="accent1"/>
+              </a:solidFill>
+            </a:endParaRPr>
+          </a:p>
+        </p:txBody>
+      </p:sp>
+      <p:cxnSp>
+        <p:nvCxnSpPr>
+          <p:cNvPr id="17" name="直接箭头连接符 16"/>
+          <p:cNvCxnSpPr>
+            <a:stCxn id="6" idx="0"/>
+            <a:endCxn id="5" idx="2"/>
+          </p:cNvCxnSpPr>
+          <p:nvPr/>
+        </p:nvCxnSpPr>
+        <p:spPr>
+          <a:xfrm flipV="1">
+            <a:off x="2277745" y="1861185"/>
+            <a:ext cx="2468880" cy="628015"/>
+          </a:xfrm>
+          <a:prstGeom prst="straightConnector1">
+            <a:avLst/>
+          </a:prstGeom>
+          <a:ln w="38100">
+            <a:solidFill>
+              <a:srgbClr val="FFC000"/>
+            </a:solidFill>
+            <a:tailEnd type="arrow"/>
+          </a:ln>
+        </p:spPr>
+        <p:style>
+          <a:lnRef idx="1">
+            <a:schemeClr val="accent1"/>
+          </a:lnRef>
+          <a:fillRef idx="0">
+            <a:schemeClr val="accent1"/>
+          </a:fillRef>
+          <a:effectRef idx="0">
+            <a:schemeClr val="accent1"/>
+          </a:effectRef>
+          <a:fontRef idx="minor">
+            <a:schemeClr val="tx1"/>
+          </a:fontRef>
+        </p:style>
+      </p:cxnSp>
+      <p:sp>
+        <p:nvSpPr>
+          <p:cNvPr id="21" name="文本框 20"/>
+          <p:cNvSpPr txBox="1"/>
+          <p:nvPr/>
+        </p:nvSpPr>
+        <p:spPr>
+          <a:xfrm>
+            <a:off x="5671185" y="3681095"/>
+            <a:ext cx="1691005" cy="368300"/>
+          </a:xfrm>
+          <a:prstGeom prst="rect">
+            <a:avLst/>
+          </a:prstGeom>
+          <a:noFill/>
+        </p:spPr>
+        <p:txBody>
+          <a:bodyPr wrap="square" rtlCol="0">
+            <a:spAutoFit/>
+          </a:bodyPr>
+          <a:p>
+            <a:r>
+              <a:rPr lang="zh-CN" altLang="en-US" b="1">
+                <a:solidFill>
+                  <a:srgbClr val="FFC000"/>
+                </a:solidFill>
+              </a:rPr>
+              <a:t>实现类</a:t>
+            </a:r>
+            <a:r>
+              <a:rPr lang="en-US" altLang="zh-CN" b="1">
+                <a:solidFill>
+                  <a:srgbClr val="FFC000"/>
+                </a:solidFill>
+              </a:rPr>
+              <a:t>1</a:t>
+            </a:r>
+            <a:r>
+              <a:rPr lang="zh-CN" altLang="en-US" b="1">
+                <a:solidFill>
+                  <a:srgbClr val="FFC000"/>
+                </a:solidFill>
+              </a:rPr>
+              <a:t>实例</a:t>
+            </a:r>
+            <a:endParaRPr lang="zh-CN" altLang="en-US" b="1">
+              <a:solidFill>
+                <a:srgbClr val="FFC000"/>
+              </a:solidFill>
+            </a:endParaRPr>
+          </a:p>
+        </p:txBody>
+      </p:sp>
+      <p:sp>
+        <p:nvSpPr>
+          <p:cNvPr id="22" name="文本框 21"/>
+          <p:cNvSpPr txBox="1"/>
+          <p:nvPr/>
+        </p:nvSpPr>
+        <p:spPr>
+          <a:xfrm>
+            <a:off x="7362190" y="3620135"/>
+            <a:ext cx="4152265" cy="368300"/>
+          </a:xfrm>
+          <a:prstGeom prst="rect">
+            <a:avLst/>
+          </a:prstGeom>
+          <a:noFill/>
+        </p:spPr>
+        <p:txBody>
+          <a:bodyPr wrap="square" rtlCol="0">
+            <a:spAutoFit/>
+          </a:bodyPr>
+          <a:p>
+            <a:r>
+              <a:rPr lang="en-US" altLang="zh-CN" b="1">
+                <a:solidFill>
+                  <a:schemeClr val="accent1"/>
+                </a:solidFill>
+              </a:rPr>
+              <a:t>methodA  =  </a:t>
+            </a:r>
+            <a:r>
+              <a:rPr lang="zh-CN" altLang="en-US" b="1">
+                <a:solidFill>
+                  <a:schemeClr val="accent1"/>
+                </a:solidFill>
+              </a:rPr>
+              <a:t>实现类</a:t>
+            </a:r>
+            <a:r>
+              <a:rPr lang="en-US" altLang="zh-CN" b="1">
+                <a:solidFill>
+                  <a:schemeClr val="accent1"/>
+                </a:solidFill>
+              </a:rPr>
+              <a:t>1 </a:t>
+            </a:r>
+            <a:r>
+              <a:rPr lang="zh-CN" altLang="en-US" b="1">
+                <a:solidFill>
+                  <a:schemeClr val="accent1"/>
+                </a:solidFill>
+              </a:rPr>
+              <a:t>实例</a:t>
+            </a:r>
+            <a:r>
+              <a:rPr lang="en-US" altLang="zh-CN" b="1">
+                <a:solidFill>
+                  <a:schemeClr val="accent1"/>
+                </a:solidFill>
+              </a:rPr>
+              <a:t>.methodA</a:t>
+            </a:r>
+            <a:endParaRPr lang="en-US" altLang="zh-CN" b="1">
+              <a:solidFill>
+                <a:schemeClr val="accent1"/>
+              </a:solidFill>
+            </a:endParaRPr>
+          </a:p>
+        </p:txBody>
+      </p:sp>
+      <p:cxnSp>
+        <p:nvCxnSpPr>
+          <p:cNvPr id="28" name="直接箭头连接符 27"/>
+          <p:cNvCxnSpPr>
+            <a:stCxn id="7" idx="0"/>
+            <a:endCxn id="5" idx="2"/>
+          </p:cNvCxnSpPr>
+          <p:nvPr/>
+        </p:nvCxnSpPr>
+        <p:spPr>
+          <a:xfrm flipH="1" flipV="1">
+            <a:off x="4746625" y="1861185"/>
+            <a:ext cx="3766185" cy="628015"/>
+          </a:xfrm>
+          <a:prstGeom prst="straightConnector1">
+            <a:avLst/>
+          </a:prstGeom>
+          <a:ln w="38100">
+            <a:solidFill>
+              <a:srgbClr val="FFC000"/>
+            </a:solidFill>
+            <a:tailEnd type="arrow"/>
+          </a:ln>
+        </p:spPr>
+        <p:style>
+          <a:lnRef idx="1">
+            <a:schemeClr val="accent1"/>
+          </a:lnRef>
+          <a:fillRef idx="0">
+            <a:schemeClr val="accent1"/>
+          </a:fillRef>
+          <a:effectRef idx="0">
+            <a:schemeClr val="accent1"/>
+          </a:effectRef>
+          <a:fontRef idx="minor">
+            <a:schemeClr val="tx1"/>
+          </a:fontRef>
+        </p:style>
+      </p:cxnSp>
+      <p:sp>
+        <p:nvSpPr>
+          <p:cNvPr id="29" name="文本框 28"/>
+          <p:cNvSpPr txBox="1"/>
+          <p:nvPr/>
+        </p:nvSpPr>
+        <p:spPr>
+          <a:xfrm>
+            <a:off x="7361555" y="3970655"/>
+            <a:ext cx="4152265" cy="368300"/>
+          </a:xfrm>
+          <a:prstGeom prst="rect">
+            <a:avLst/>
+          </a:prstGeom>
+          <a:noFill/>
+        </p:spPr>
+        <p:txBody>
+          <a:bodyPr wrap="square" rtlCol="0">
+            <a:spAutoFit/>
+          </a:bodyPr>
+          <a:p>
+            <a:r>
+              <a:rPr lang="en-US" altLang="zh-CN" b="1">
+                <a:solidFill>
+                  <a:schemeClr val="accent1"/>
+                </a:solidFill>
+              </a:rPr>
+              <a:t>methodB  =  </a:t>
+            </a:r>
+            <a:r>
+              <a:rPr lang="zh-CN" altLang="en-US" b="1">
+                <a:solidFill>
+                  <a:schemeClr val="accent1"/>
+                </a:solidFill>
+              </a:rPr>
+              <a:t>实现类</a:t>
+            </a:r>
+            <a:r>
+              <a:rPr lang="en-US" altLang="zh-CN" b="1">
+                <a:solidFill>
+                  <a:schemeClr val="accent1"/>
+                </a:solidFill>
+              </a:rPr>
+              <a:t>1 </a:t>
+            </a:r>
+            <a:r>
+              <a:rPr lang="zh-CN" altLang="en-US" b="1">
+                <a:solidFill>
+                  <a:schemeClr val="accent1"/>
+                </a:solidFill>
+              </a:rPr>
+              <a:t>实例</a:t>
+            </a:r>
+            <a:r>
+              <a:rPr lang="en-US" altLang="zh-CN" b="1">
+                <a:solidFill>
+                  <a:schemeClr val="accent1"/>
+                </a:solidFill>
+              </a:rPr>
+              <a:t>.methodB</a:t>
+            </a:r>
+            <a:endParaRPr lang="en-US" altLang="zh-CN" b="1">
+              <a:solidFill>
+                <a:schemeClr val="accent1"/>
+              </a:solidFill>
+            </a:endParaRPr>
+          </a:p>
+        </p:txBody>
+      </p:sp>
+      <p:sp>
+        <p:nvSpPr>
+          <p:cNvPr id="30" name="文本框 29"/>
+          <p:cNvSpPr txBox="1"/>
+          <p:nvPr/>
+        </p:nvSpPr>
+        <p:spPr>
+          <a:xfrm>
+            <a:off x="7361555" y="4311650"/>
+            <a:ext cx="4152265" cy="368300"/>
+          </a:xfrm>
+          <a:prstGeom prst="rect">
+            <a:avLst/>
+          </a:prstGeom>
+          <a:noFill/>
+        </p:spPr>
+        <p:txBody>
+          <a:bodyPr wrap="square" rtlCol="0">
+            <a:spAutoFit/>
+          </a:bodyPr>
+          <a:p>
+            <a:r>
+              <a:rPr lang="en-US" altLang="zh-CN" b="1">
+                <a:solidFill>
+                  <a:schemeClr val="accent1"/>
+                </a:solidFill>
+              </a:rPr>
+              <a:t>methodC  =  </a:t>
+            </a:r>
+            <a:r>
+              <a:rPr lang="zh-CN" altLang="en-US" b="1">
+                <a:solidFill>
+                  <a:schemeClr val="accent1"/>
+                </a:solidFill>
+              </a:rPr>
+              <a:t>实现类</a:t>
+            </a:r>
+            <a:r>
+              <a:rPr lang="en-US" altLang="zh-CN" b="1">
+                <a:solidFill>
+                  <a:schemeClr val="accent1"/>
+                </a:solidFill>
+              </a:rPr>
+              <a:t>1 </a:t>
+            </a:r>
+            <a:r>
+              <a:rPr lang="zh-CN" altLang="en-US" b="1">
+                <a:solidFill>
+                  <a:schemeClr val="accent1"/>
+                </a:solidFill>
+              </a:rPr>
+              <a:t>实例</a:t>
+            </a:r>
+            <a:r>
+              <a:rPr lang="en-US" altLang="zh-CN" b="1">
+                <a:solidFill>
+                  <a:schemeClr val="accent1"/>
+                </a:solidFill>
+              </a:rPr>
+              <a:t>.methodC</a:t>
+            </a:r>
+            <a:endParaRPr lang="en-US" altLang="zh-CN" b="1">
+              <a:solidFill>
+                <a:schemeClr val="accent1"/>
+              </a:solidFill>
+            </a:endParaRPr>
+          </a:p>
+        </p:txBody>
+      </p:sp>
+      <p:pic>
+        <p:nvPicPr>
+          <p:cNvPr id="31" name="图片 30"/>
+          <p:cNvPicPr>
+            <a:picLocks noChangeAspect="1"/>
+          </p:cNvPicPr>
+          <p:nvPr/>
+        </p:nvPicPr>
+        <p:blipFill>
+          <a:blip r:embed="rId2"/>
+          <a:stretch>
+            <a:fillRect/>
+          </a:stretch>
+        </p:blipFill>
+        <p:spPr>
+          <a:xfrm>
+            <a:off x="4895850" y="5327015"/>
+            <a:ext cx="7188200" cy="1365250"/>
+          </a:xfrm>
+          <a:prstGeom prst="rect">
+            <a:avLst/>
+          </a:prstGeom>
+        </p:spPr>
+      </p:pic>
+      <p:sp>
+        <p:nvSpPr>
+          <p:cNvPr id="32" name="椭圆形标注 31"/>
+          <p:cNvSpPr/>
+          <p:nvPr/>
+        </p:nvSpPr>
+        <p:spPr>
+          <a:xfrm>
+            <a:off x="7114540" y="3251835"/>
+            <a:ext cx="4354830" cy="1903730"/>
+          </a:xfrm>
+          <a:prstGeom prst="wedgeEllipseCallout">
+            <a:avLst/>
+          </a:prstGeom>
+          <a:noFill/>
+          <a:ln w="38100">
+            <a:solidFill>
+              <a:srgbClr val="C74FFF"/>
+            </a:solidFill>
+          </a:ln>
+          <a:extLst>
+            <a:ext uri="{909E8E84-426E-40DD-AFC4-6F175D3DCCD1}">
+              <a14:hiddenFill xmlns:a14="http://schemas.microsoft.com/office/drawing/2010/main">
+                <a:solidFill>
+                  <a:schemeClr val="accent1"/>
+                </a:solidFill>
+              </a14:hiddenFill>
+            </a:ext>
+          </a:extLst>
+        </p:spPr>
+        <p:style>
+          <a:lnRef idx="2">
+            <a:schemeClr val="accent1">
+              <a:shade val="50000"/>
+            </a:schemeClr>
+          </a:lnRef>
+          <a:fillRef idx="1">
+            <a:schemeClr val="accent1"/>
+          </a:fillRef>
+          <a:effectRef idx="0">
+            <a:schemeClr val="accent1"/>
+          </a:effectRef>
+          <a:fontRef idx="minor">
+            <a:schemeClr val="lt1"/>
+          </a:fontRef>
+        </p:style>
+        <p:txBody>
+          <a:bodyPr rtlCol="0" anchor="ctr"/>
+          <a:p>
+            <a:pPr algn="ctr"/>
+            <a:endParaRPr lang="zh-CN" altLang="en-US"/>
+          </a:p>
+        </p:txBody>
+      </p:sp>
+      <p:pic>
+        <p:nvPicPr>
+          <p:cNvPr id="2" name="图片 1"/>
+          <p:cNvPicPr>
+            <a:picLocks noChangeAspect="1"/>
+          </p:cNvPicPr>
+          <p:nvPr/>
+        </p:nvPicPr>
+        <p:blipFill>
+          <a:blip r:embed="rId3"/>
+          <a:stretch>
+            <a:fillRect/>
+          </a:stretch>
+        </p:blipFill>
+        <p:spPr>
+          <a:xfrm>
+            <a:off x="1211580" y="164465"/>
+            <a:ext cx="1647825" cy="1069975"/>
+          </a:xfrm>
+          <a:prstGeom prst="rect">
+            <a:avLst/>
+          </a:prstGeom>
+        </p:spPr>
+      </p:pic>
+      <p:pic>
+        <p:nvPicPr>
+          <p:cNvPr id="3" name="图片 2"/>
+          <p:cNvPicPr>
+            <a:picLocks noChangeAspect="1"/>
+          </p:cNvPicPr>
+          <p:nvPr/>
+        </p:nvPicPr>
+        <p:blipFill>
+          <a:blip r:embed="rId4"/>
+          <a:stretch>
+            <a:fillRect/>
+          </a:stretch>
+        </p:blipFill>
+        <p:spPr>
+          <a:xfrm>
+            <a:off x="123190" y="3535680"/>
+            <a:ext cx="2672080" cy="2840355"/>
+          </a:xfrm>
+          <a:prstGeom prst="rect">
+            <a:avLst/>
+          </a:prstGeom>
+        </p:spPr>
+      </p:pic>
+      <p:pic>
+        <p:nvPicPr>
+          <p:cNvPr id="4" name="图片 3"/>
+          <p:cNvPicPr>
+            <a:picLocks noChangeAspect="1"/>
+          </p:cNvPicPr>
+          <p:nvPr/>
+        </p:nvPicPr>
+        <p:blipFill>
+          <a:blip r:embed="rId5"/>
+          <a:stretch>
+            <a:fillRect/>
+          </a:stretch>
+        </p:blipFill>
+        <p:spPr>
+          <a:xfrm>
+            <a:off x="6259195" y="2045970"/>
+            <a:ext cx="5836285" cy="682625"/>
+          </a:xfrm>
+          <a:prstGeom prst="rect">
+            <a:avLst/>
+          </a:prstGeom>
+        </p:spPr>
+      </p:pic>
+      <p:pic>
+        <p:nvPicPr>
+          <p:cNvPr id="18" name="图片 17"/>
+          <p:cNvPicPr>
+            <a:picLocks noChangeAspect="1"/>
+          </p:cNvPicPr>
+          <p:nvPr/>
+        </p:nvPicPr>
+        <p:blipFill>
+          <a:blip r:embed="rId6"/>
+          <a:stretch>
+            <a:fillRect/>
+          </a:stretch>
+        </p:blipFill>
+        <p:spPr>
+          <a:xfrm>
+            <a:off x="3529965" y="3681095"/>
+            <a:ext cx="3443605" cy="1752600"/>
+          </a:xfrm>
+          <a:prstGeom prst="rect">
+            <a:avLst/>
+          </a:prstGeom>
+        </p:spPr>
+      </p:pic>
     </p:spTree>
     <p:custDataLst>
-      <p:tags r:id="rId2"/>
+      <p:tags r:id="rId7"/>
     </p:custDataLst>
   </p:cSld>
   <p:clrMapOvr>
